--- a/DS501 Project 2.pptx
+++ b/DS501 Project 2.pptx
@@ -5,21 +5,22 @@
     <p:sldMasterId id="2147483725" r:id="rId1"/>
   </p:sldMasterIdLst>
   <p:notesMasterIdLst>
-    <p:notesMasterId r:id="rId14"/>
+    <p:notesMasterId r:id="rId15"/>
   </p:notesMasterIdLst>
   <p:sldIdLst>
     <p:sldId id="272" r:id="rId2"/>
     <p:sldId id="257" r:id="rId3"/>
     <p:sldId id="276" r:id="rId4"/>
-    <p:sldId id="274" r:id="rId5"/>
-    <p:sldId id="273" r:id="rId6"/>
-    <p:sldId id="281" r:id="rId7"/>
-    <p:sldId id="278" r:id="rId8"/>
-    <p:sldId id="279" r:id="rId9"/>
-    <p:sldId id="260" r:id="rId10"/>
-    <p:sldId id="261" r:id="rId11"/>
-    <p:sldId id="270" r:id="rId12"/>
-    <p:sldId id="280" r:id="rId13"/>
+    <p:sldId id="282" r:id="rId5"/>
+    <p:sldId id="274" r:id="rId6"/>
+    <p:sldId id="273" r:id="rId7"/>
+    <p:sldId id="281" r:id="rId8"/>
+    <p:sldId id="278" r:id="rId9"/>
+    <p:sldId id="279" r:id="rId10"/>
+    <p:sldId id="260" r:id="rId11"/>
+    <p:sldId id="261" r:id="rId12"/>
+    <p:sldId id="270" r:id="rId13"/>
+    <p:sldId id="280" r:id="rId14"/>
   </p:sldIdLst>
   <p:sldSz cx="9144000" cy="5143500" type="screen16x9"/>
   <p:notesSz cx="6858000" cy="9144000"/>
@@ -682,12 +683,12 @@
 </p:notes>
 </file>
 
-<file path=ppt/notesSlides/notesSlide2.xml><?xml version="1.0" encoding="utf-8"?>
+<file path=ppt/notesSlides/notesSlide10.xml><?xml version="1.0" encoding="utf-8"?>
 <p:notes xmlns:a="http://schemas.openxmlformats.org/drawingml/2006/main" xmlns:r="http://schemas.openxmlformats.org/officeDocument/2006/relationships" xmlns:p="http://schemas.openxmlformats.org/presentationml/2006/main" showMasterSp="0" showMasterPhAnim="0">
   <p:cSld>
     <p:spTree>
       <p:nvGrpSpPr>
-        <p:cNvPr id="1" name="Shape 74"/>
+        <p:cNvPr id="1" name="Shape 162"/>
         <p:cNvGrpSpPr/>
         <p:nvPr/>
       </p:nvGrpSpPr>
@@ -701,7 +702,7 @@
       </p:grpSpPr>
       <p:sp>
         <p:nvSpPr>
-          <p:cNvPr id="75" name="Google Shape;75;g61c278de77_0_6:notes"/>
+          <p:cNvPr id="163" name="Google Shape;163;g6196758957_0_30:notes"/>
           <p:cNvSpPr>
             <a:spLocks noGrp="1" noRot="1" noChangeAspect="1"/>
           </p:cNvSpPr>
@@ -742,7 +743,7 @@
       </p:sp>
       <p:sp>
         <p:nvSpPr>
-          <p:cNvPr id="76" name="Google Shape;76;g61c278de77_0_6:notes"/>
+          <p:cNvPr id="164" name="Google Shape;164;g6196758957_0_30:notes"/>
           <p:cNvSpPr txBox="1">
             <a:spLocks noGrp="1"/>
           </p:cNvSpPr>
@@ -781,7 +782,7 @@
     </p:spTree>
     <p:extLst>
       <p:ext uri="{BB962C8B-B14F-4D97-AF65-F5344CB8AC3E}">
-        <p14:creationId xmlns:p14="http://schemas.microsoft.com/office/powerpoint/2010/main" val="1515453266"/>
+        <p14:creationId xmlns:p14="http://schemas.microsoft.com/office/powerpoint/2010/main" val="2059511285"/>
       </p:ext>
     </p:extLst>
   </p:cSld>
@@ -791,7 +792,7 @@
 </p:notes>
 </file>
 
-<file path=ppt/notesSlides/notesSlide3.xml><?xml version="1.0" encoding="utf-8"?>
+<file path=ppt/notesSlides/notesSlide2.xml><?xml version="1.0" encoding="utf-8"?>
 <p:notes xmlns:a="http://schemas.openxmlformats.org/drawingml/2006/main" xmlns:r="http://schemas.openxmlformats.org/officeDocument/2006/relationships" xmlns:p="http://schemas.openxmlformats.org/presentationml/2006/main" showMasterSp="0" showMasterPhAnim="0">
   <p:cSld>
     <p:spTree>
@@ -890,7 +891,116 @@
     </p:spTree>
     <p:extLst>
       <p:ext uri="{BB962C8B-B14F-4D97-AF65-F5344CB8AC3E}">
-        <p14:creationId xmlns:p14="http://schemas.microsoft.com/office/powerpoint/2010/main" val="2994717550"/>
+        <p14:creationId xmlns:p14="http://schemas.microsoft.com/office/powerpoint/2010/main" val="1515453266"/>
+      </p:ext>
+    </p:extLst>
+  </p:cSld>
+  <p:clrMapOvr>
+    <a:masterClrMapping/>
+  </p:clrMapOvr>
+</p:notes>
+</file>
+
+<file path=ppt/notesSlides/notesSlide3.xml><?xml version="1.0" encoding="utf-8"?>
+<p:notes xmlns:a="http://schemas.openxmlformats.org/drawingml/2006/main" xmlns:r="http://schemas.openxmlformats.org/officeDocument/2006/relationships" xmlns:p="http://schemas.openxmlformats.org/presentationml/2006/main" showMasterSp="0" showMasterPhAnim="0">
+  <p:cSld>
+    <p:spTree>
+      <p:nvGrpSpPr>
+        <p:cNvPr id="1" name="Shape 57"/>
+        <p:cNvGrpSpPr/>
+        <p:nvPr/>
+      </p:nvGrpSpPr>
+      <p:grpSpPr>
+        <a:xfrm>
+          <a:off x="0" y="0"/>
+          <a:ext cx="0" cy="0"/>
+          <a:chOff x="0" y="0"/>
+          <a:chExt cx="0" cy="0"/>
+        </a:xfrm>
+      </p:grpSpPr>
+      <p:sp>
+        <p:nvSpPr>
+          <p:cNvPr id="58" name="Google Shape;58;g6196758957_0_0:notes"/>
+          <p:cNvSpPr>
+            <a:spLocks noGrp="1" noRot="1" noChangeAspect="1"/>
+          </p:cNvSpPr>
+          <p:nvPr>
+            <p:ph type="sldImg" idx="2"/>
+          </p:nvPr>
+        </p:nvSpPr>
+        <p:spPr>
+          <a:xfrm>
+            <a:off x="381000" y="685800"/>
+            <a:ext cx="6096000" cy="3429000"/>
+          </a:xfrm>
+          <a:custGeom>
+            <a:avLst/>
+            <a:gdLst/>
+            <a:ahLst/>
+            <a:cxnLst/>
+            <a:rect l="l" t="t" r="r" b="b"/>
+            <a:pathLst>
+              <a:path w="120000" h="120000" extrusionOk="0">
+                <a:moveTo>
+                  <a:pt x="0" y="0"/>
+                </a:moveTo>
+                <a:lnTo>
+                  <a:pt x="120000" y="0"/>
+                </a:lnTo>
+                <a:lnTo>
+                  <a:pt x="120000" y="120000"/>
+                </a:lnTo>
+                <a:lnTo>
+                  <a:pt x="0" y="120000"/>
+                </a:lnTo>
+                <a:close/>
+              </a:path>
+            </a:pathLst>
+          </a:custGeom>
+        </p:spPr>
+      </p:sp>
+      <p:sp>
+        <p:nvSpPr>
+          <p:cNvPr id="59" name="Google Shape;59;g6196758957_0_0:notes"/>
+          <p:cNvSpPr txBox="1">
+            <a:spLocks noGrp="1"/>
+          </p:cNvSpPr>
+          <p:nvPr>
+            <p:ph type="body" idx="1"/>
+          </p:nvPr>
+        </p:nvSpPr>
+        <p:spPr>
+          <a:xfrm>
+            <a:off x="685800" y="4343400"/>
+            <a:ext cx="5486400" cy="4114800"/>
+          </a:xfrm>
+          <a:prstGeom prst="rect">
+            <a:avLst/>
+          </a:prstGeom>
+        </p:spPr>
+        <p:txBody>
+          <a:bodyPr spcFirstLastPara="1" wrap="square" lIns="91425" tIns="91425" rIns="91425" bIns="91425" anchor="t" anchorCtr="0">
+            <a:noAutofit/>
+          </a:bodyPr>
+          <a:lstStyle/>
+          <a:p>
+            <a:pPr marL="0" lvl="0" indent="0" algn="l" rtl="0">
+              <a:spcBef>
+                <a:spcPts val="0"/>
+              </a:spcBef>
+              <a:spcAft>
+                <a:spcPts val="0"/>
+              </a:spcAft>
+              <a:buNone/>
+            </a:pPr>
+            <a:endParaRPr/>
+          </a:p>
+        </p:txBody>
+      </p:sp>
+    </p:spTree>
+    <p:extLst>
+      <p:ext uri="{BB962C8B-B14F-4D97-AF65-F5344CB8AC3E}">
+        <p14:creationId xmlns:p14="http://schemas.microsoft.com/office/powerpoint/2010/main" val="1525615537"/>
       </p:ext>
     </p:extLst>
   </p:cSld>
@@ -999,7 +1109,7 @@
     </p:spTree>
     <p:extLst>
       <p:ext uri="{BB962C8B-B14F-4D97-AF65-F5344CB8AC3E}">
-        <p14:creationId xmlns:p14="http://schemas.microsoft.com/office/powerpoint/2010/main" val="1879509217"/>
+        <p14:creationId xmlns:p14="http://schemas.microsoft.com/office/powerpoint/2010/main" val="2994717550"/>
       </p:ext>
     </p:extLst>
   </p:cSld>
@@ -1108,7 +1218,7 @@
     </p:spTree>
     <p:extLst>
       <p:ext uri="{BB962C8B-B14F-4D97-AF65-F5344CB8AC3E}">
-        <p14:creationId xmlns:p14="http://schemas.microsoft.com/office/powerpoint/2010/main" val="4219578628"/>
+        <p14:creationId xmlns:p14="http://schemas.microsoft.com/office/powerpoint/2010/main" val="1879509217"/>
       </p:ext>
     </p:extLst>
   </p:cSld>
@@ -1215,6 +1325,11 @@
         </p:txBody>
       </p:sp>
     </p:spTree>
+    <p:extLst>
+      <p:ext uri="{BB962C8B-B14F-4D97-AF65-F5344CB8AC3E}">
+        <p14:creationId xmlns:p14="http://schemas.microsoft.com/office/powerpoint/2010/main" val="4219578628"/>
+      </p:ext>
+    </p:extLst>
   </p:cSld>
   <p:clrMapOvr>
     <a:masterClrMapping/>
@@ -1227,7 +1342,7 @@
   <p:cSld>
     <p:spTree>
       <p:nvGrpSpPr>
-        <p:cNvPr id="1" name="Shape 79"/>
+        <p:cNvPr id="1" name="Shape 74"/>
         <p:cNvGrpSpPr/>
         <p:nvPr/>
       </p:nvGrpSpPr>
@@ -1241,7 +1356,7 @@
       </p:grpSpPr>
       <p:sp>
         <p:nvSpPr>
-          <p:cNvPr id="80" name="Google Shape;80;g61c278de77_0_11:notes"/>
+          <p:cNvPr id="75" name="Google Shape;75;g61c278de77_0_6:notes"/>
           <p:cNvSpPr>
             <a:spLocks noGrp="1" noRot="1" noChangeAspect="1"/>
           </p:cNvSpPr>
@@ -1282,7 +1397,7 @@
       </p:sp>
       <p:sp>
         <p:nvSpPr>
-          <p:cNvPr id="81" name="Google Shape;81;g61c278de77_0_11:notes"/>
+          <p:cNvPr id="76" name="Google Shape;76;g61c278de77_0_6:notes"/>
           <p:cNvSpPr txBox="1">
             <a:spLocks noGrp="1"/>
           </p:cNvSpPr>
@@ -1331,7 +1446,7 @@
   <p:cSld>
     <p:spTree>
       <p:nvGrpSpPr>
-        <p:cNvPr id="1" name="Shape 162"/>
+        <p:cNvPr id="1" name="Shape 79"/>
         <p:cNvGrpSpPr/>
         <p:nvPr/>
       </p:nvGrpSpPr>
@@ -1345,7 +1460,7 @@
       </p:grpSpPr>
       <p:sp>
         <p:nvSpPr>
-          <p:cNvPr id="163" name="Google Shape;163;g6196758957_0_30:notes"/>
+          <p:cNvPr id="80" name="Google Shape;80;g61c278de77_0_11:notes"/>
           <p:cNvSpPr>
             <a:spLocks noGrp="1" noRot="1" noChangeAspect="1"/>
           </p:cNvSpPr>
@@ -1386,7 +1501,7 @@
       </p:sp>
       <p:sp>
         <p:nvSpPr>
-          <p:cNvPr id="164" name="Google Shape;164;g6196758957_0_30:notes"/>
+          <p:cNvPr id="81" name="Google Shape;81;g61c278de77_0_11:notes"/>
           <p:cNvSpPr txBox="1">
             <a:spLocks noGrp="1"/>
           </p:cNvSpPr>
@@ -1527,11 +1642,6 @@
         </p:txBody>
       </p:sp>
     </p:spTree>
-    <p:extLst>
-      <p:ext uri="{BB962C8B-B14F-4D97-AF65-F5344CB8AC3E}">
-        <p14:creationId xmlns:p14="http://schemas.microsoft.com/office/powerpoint/2010/main" val="2059511285"/>
-      </p:ext>
-    </p:extLst>
   </p:cSld>
   <p:clrMapOvr>
     <a:masterClrMapping/>
@@ -1765,7 +1875,7 @@
           <a:p>
             <a:fld id="{4BDF68E2-58F2-4D09-BE8B-E3BD06533059}" type="datetimeFigureOut">
               <a:rPr lang="en-US" smtClean="0"/>
-              <a:t>10/23/2019</a:t>
+              <a:t>10/24/2019</a:t>
             </a:fld>
             <a:endParaRPr lang="en-US" dirty="0"/>
           </a:p>
@@ -1983,7 +2093,7 @@
           <a:p>
             <a:fld id="{2E2D6473-DF6D-4702-B328-E0DD40540A4E}" type="datetimeFigureOut">
               <a:rPr lang="en-US" smtClean="0"/>
-              <a:t>10/23/2019</a:t>
+              <a:t>10/24/2019</a:t>
             </a:fld>
             <a:endParaRPr lang="en-US" dirty="0"/>
           </a:p>
@@ -2249,7 +2359,7 @@
           <a:p>
             <a:fld id="{E26F7E3A-B166-407D-9866-32884E7D5B37}" type="datetimeFigureOut">
               <a:rPr lang="en-US" smtClean="0"/>
-              <a:t>10/23/2019</a:t>
+              <a:t>10/24/2019</a:t>
             </a:fld>
             <a:endParaRPr lang="en-US" dirty="0"/>
           </a:p>
@@ -2800,7 +2910,7 @@
           <a:p>
             <a:fld id="{528FC5F6-F338-4AE4-BB23-26385BCFC423}" type="datetimeFigureOut">
               <a:rPr lang="en-US" smtClean="0"/>
-              <a:t>10/23/2019</a:t>
+              <a:t>10/24/2019</a:t>
             </a:fld>
             <a:endParaRPr lang="en-US" dirty="0"/>
           </a:p>
@@ -3153,7 +3263,7 @@
           <a:p>
             <a:fld id="{20EBB0C4-6273-4C6E-B9BD-2EDC30F1CD52}" type="datetimeFigureOut">
               <a:rPr lang="en-US" smtClean="0"/>
-              <a:t>10/23/2019</a:t>
+              <a:t>10/24/2019</a:t>
             </a:fld>
             <a:endParaRPr lang="en-US" dirty="0"/>
           </a:p>
@@ -3438,7 +3548,7 @@
           <a:p>
             <a:fld id="{19AB4D41-86C1-4908-B66A-0B50CEB3BF29}" type="datetimeFigureOut">
               <a:rPr lang="en-US" smtClean="0"/>
-              <a:t>10/23/2019</a:t>
+              <a:t>10/24/2019</a:t>
             </a:fld>
             <a:endParaRPr lang="en-US" dirty="0"/>
           </a:p>
@@ -3827,7 +3937,7 @@
           <a:p>
             <a:fld id="{E6426E2C-56C1-4E0D-A793-0088A7FDD37E}" type="datetimeFigureOut">
               <a:rPr lang="en-US" smtClean="0"/>
-              <a:t>10/23/2019</a:t>
+              <a:t>10/24/2019</a:t>
             </a:fld>
             <a:endParaRPr lang="en-US" dirty="0"/>
           </a:p>
@@ -3955,7 +4065,7 @@
           <a:p>
             <a:fld id="{C8C39B41-D8B5-4052-B551-9B5525EAA8B6}" type="datetimeFigureOut">
               <a:rPr lang="en-US" smtClean="0"/>
-              <a:t>10/23/2019</a:t>
+              <a:t>10/24/2019</a:t>
             </a:fld>
             <a:endParaRPr lang="en-US" dirty="0"/>
           </a:p>
@@ -4136,7 +4246,7 @@
           <a:p>
             <a:fld id="{4D94136C-8742-45B2-AF27-D93DF72833A9}" type="datetimeFigureOut">
               <a:rPr lang="en-US" smtClean="0"/>
-              <a:t>10/23/2019</a:t>
+              <a:t>10/24/2019</a:t>
             </a:fld>
             <a:endParaRPr lang="en-US" dirty="0"/>
           </a:p>
@@ -4499,7 +4609,7 @@
           <a:p>
             <a:fld id="{32ABBEA6-7C60-4B02-AE87-00D78D8422AF}" type="datetimeFigureOut">
               <a:rPr lang="en-US" smtClean="0"/>
-              <a:t>10/23/2019</a:t>
+              <a:t>10/24/2019</a:t>
             </a:fld>
             <a:endParaRPr lang="en-US" dirty="0"/>
           </a:p>
@@ -4891,7 +5001,7 @@
           <a:p>
             <a:fld id="{C9CAD897-D46E-4AD2-BD9B-49DD3E640873}" type="datetimeFigureOut">
               <a:rPr lang="en-US" smtClean="0"/>
-              <a:t>10/23/2019</a:t>
+              <a:t>10/24/2019</a:t>
             </a:fld>
             <a:endParaRPr lang="en-US" dirty="0"/>
           </a:p>
@@ -5186,7 +5296,7 @@
           <a:p>
             <a:fld id="{98624D31-43A5-475A-80CF-332C9F6DCF35}" type="datetimeFigureOut">
               <a:rPr lang="en-US" smtClean="0"/>
-              <a:t>10/23/2019</a:t>
+              <a:t>10/24/2019</a:t>
             </a:fld>
             <a:endParaRPr lang="en-US" dirty="0"/>
           </a:p>
@@ -5865,9 +5975,17 @@
 <file path=ppt/slides/slide10.xml><?xml version="1.0" encoding="utf-8"?>
 <p:sld xmlns:a="http://schemas.openxmlformats.org/drawingml/2006/main" xmlns:r="http://schemas.openxmlformats.org/officeDocument/2006/relationships" xmlns:p="http://schemas.openxmlformats.org/presentationml/2006/main">
   <p:cSld>
+    <p:bg>
+      <p:bgPr>
+        <a:solidFill>
+          <a:schemeClr val="bg1"/>
+        </a:solidFill>
+        <a:effectLst/>
+      </p:bgPr>
+    </p:bg>
     <p:spTree>
       <p:nvGrpSpPr>
-        <p:cNvPr id="1" name="Shape 82"/>
+        <p:cNvPr id="1" name="Shape 77"/>
         <p:cNvGrpSpPr/>
         <p:nvPr/>
       </p:nvGrpSpPr>
@@ -5881,7 +5999,238 @@
       </p:grpSpPr>
       <p:sp>
         <p:nvSpPr>
-          <p:cNvPr id="83" name="Google Shape;83;p18"/>
+          <p:cNvPr id="12" name="Rectangle 11">
+            <a:extLst>
+              <a:ext uri="{FF2B5EF4-FFF2-40B4-BE49-F238E27FC236}">
+                <a16:creationId xmlns:a16="http://schemas.microsoft.com/office/drawing/2014/main" id="{7D379150-F6B4-45C8-BE10-6B278AD400EB}"/>
+              </a:ext>
+              <a:ext uri="{C183D7F6-B498-43B3-948B-1728B52AA6E4}">
+                <adec:decorative xmlns:adec="http://schemas.microsoft.com/office/drawing/2017/decorative" val="1"/>
+              </a:ext>
+            </a:extLst>
+          </p:cNvPr>
+          <p:cNvSpPr>
+            <a:spLocks noGrp="1" noRot="1" noChangeAspect="1" noMove="1" noResize="1" noEditPoints="1" noAdjustHandles="1" noChangeArrowheads="1" noChangeShapeType="1" noTextEdit="1"/>
+          </p:cNvSpPr>
+          <p:nvPr>
+            <p:extLst>
+              <p:ext uri="{386F3935-93C4-4BCD-93E2-E3B085C9AB24}">
+                <p16:designElem xmlns:p16="http://schemas.microsoft.com/office/powerpoint/2015/main" val="1"/>
+              </p:ext>
+            </p:extLst>
+          </p:nvPr>
+        </p:nvSpPr>
+        <p:spPr>
+          <a:xfrm>
+            <a:off x="0" y="4800600"/>
+            <a:ext cx="9144000" cy="342900"/>
+          </a:xfrm>
+          <a:prstGeom prst="rect">
+            <a:avLst/>
+          </a:prstGeom>
+          <a:solidFill>
+            <a:schemeClr val="accent2"/>
+          </a:solidFill>
+          <a:ln>
+            <a:noFill/>
+          </a:ln>
+        </p:spPr>
+        <p:style>
+          <a:lnRef idx="2">
+            <a:schemeClr val="accent1">
+              <a:shade val="50000"/>
+            </a:schemeClr>
+          </a:lnRef>
+          <a:fillRef idx="1">
+            <a:schemeClr val="accent1"/>
+          </a:fillRef>
+          <a:effectRef idx="0">
+            <a:schemeClr val="accent1"/>
+          </a:effectRef>
+          <a:fontRef idx="minor">
+            <a:schemeClr val="lt1"/>
+          </a:fontRef>
+        </p:style>
+      </p:sp>
+      <p:sp>
+        <p:nvSpPr>
+          <p:cNvPr id="14" name="Rectangle 13">
+            <a:extLst>
+              <a:ext uri="{FF2B5EF4-FFF2-40B4-BE49-F238E27FC236}">
+                <a16:creationId xmlns:a16="http://schemas.microsoft.com/office/drawing/2014/main" id="{5FFCF544-A370-4A5D-A95F-CA6E0E7191E6}"/>
+              </a:ext>
+              <a:ext uri="{C183D7F6-B498-43B3-948B-1728B52AA6E4}">
+                <adec:decorative xmlns:adec="http://schemas.microsoft.com/office/drawing/2017/decorative" val="1"/>
+              </a:ext>
+            </a:extLst>
+          </p:cNvPr>
+          <p:cNvSpPr>
+            <a:spLocks noGrp="1" noRot="1" noChangeAspect="1" noMove="1" noResize="1" noEditPoints="1" noAdjustHandles="1" noChangeArrowheads="1" noChangeShapeType="1" noTextEdit="1"/>
+          </p:cNvSpPr>
+          <p:nvPr>
+            <p:extLst>
+              <p:ext uri="{386F3935-93C4-4BCD-93E2-E3B085C9AB24}">
+                <p16:designElem xmlns:p16="http://schemas.microsoft.com/office/powerpoint/2015/main" val="1"/>
+              </p:ext>
+            </p:extLst>
+          </p:nvPr>
+        </p:nvSpPr>
+        <p:spPr>
+          <a:xfrm>
+            <a:off x="0" y="4750737"/>
+            <a:ext cx="9144000" cy="49498"/>
+          </a:xfrm>
+          <a:prstGeom prst="rect">
+            <a:avLst/>
+          </a:prstGeom>
+          <a:solidFill>
+            <a:schemeClr val="accent1"/>
+          </a:solidFill>
+          <a:ln>
+            <a:noFill/>
+          </a:ln>
+        </p:spPr>
+        <p:style>
+          <a:lnRef idx="2">
+            <a:schemeClr val="accent1">
+              <a:shade val="50000"/>
+            </a:schemeClr>
+          </a:lnRef>
+          <a:fillRef idx="1">
+            <a:schemeClr val="accent1"/>
+          </a:fillRef>
+          <a:effectRef idx="0">
+            <a:schemeClr val="accent1"/>
+          </a:effectRef>
+          <a:fontRef idx="minor">
+            <a:schemeClr val="lt1"/>
+          </a:fontRef>
+        </p:style>
+      </p:sp>
+      <p:cxnSp>
+        <p:nvCxnSpPr>
+          <p:cNvPr id="16" name="Straight Connector 15">
+            <a:extLst>
+              <a:ext uri="{FF2B5EF4-FFF2-40B4-BE49-F238E27FC236}">
+                <a16:creationId xmlns:a16="http://schemas.microsoft.com/office/drawing/2014/main" id="{6EEB3B97-A638-498B-8083-54191CE71E01}"/>
+              </a:ext>
+              <a:ext uri="{C183D7F6-B498-43B3-948B-1728B52AA6E4}">
+                <adec:decorative xmlns:adec="http://schemas.microsoft.com/office/drawing/2017/decorative" val="1"/>
+              </a:ext>
+            </a:extLst>
+          </p:cNvPr>
+          <p:cNvCxnSpPr>
+            <a:cxnSpLocks noGrp="1" noRot="1" noChangeAspect="1" noMove="1" noResize="1" noEditPoints="1" noAdjustHandles="1" noChangeArrowheads="1" noChangeShapeType="1"/>
+          </p:cNvCxnSpPr>
+          <p:nvPr>
+            <p:extLst>
+              <p:ext uri="{386F3935-93C4-4BCD-93E2-E3B085C9AB24}">
+                <p16:designElem xmlns:p16="http://schemas.microsoft.com/office/powerpoint/2015/main" val="1"/>
+              </p:ext>
+            </p:extLst>
+          </p:nvPr>
+        </p:nvCxnSpPr>
+        <p:spPr>
+          <a:xfrm>
+            <a:off x="895149" y="1303383"/>
+            <a:ext cx="7475220" cy="0"/>
+          </a:xfrm>
+          <a:prstGeom prst="line">
+            <a:avLst/>
+          </a:prstGeom>
+          <a:ln w="6350">
+            <a:solidFill>
+              <a:schemeClr val="tx1">
+                <a:lumMod val="50000"/>
+                <a:lumOff val="50000"/>
+              </a:schemeClr>
+            </a:solidFill>
+          </a:ln>
+        </p:spPr>
+        <p:style>
+          <a:lnRef idx="1">
+            <a:schemeClr val="accent1"/>
+          </a:lnRef>
+          <a:fillRef idx="0">
+            <a:schemeClr val="accent1"/>
+          </a:fillRef>
+          <a:effectRef idx="0">
+            <a:schemeClr val="accent1"/>
+          </a:effectRef>
+          <a:fontRef idx="minor">
+            <a:schemeClr val="tx1"/>
+          </a:fontRef>
+        </p:style>
+      </p:cxnSp>
+      <p:sp useBgFill="1">
+        <p:nvSpPr>
+          <p:cNvPr id="18" name="Rectangle 17">
+            <a:extLst>
+              <a:ext uri="{FF2B5EF4-FFF2-40B4-BE49-F238E27FC236}">
+                <a16:creationId xmlns:a16="http://schemas.microsoft.com/office/drawing/2014/main" id="{284B70D5-875B-433D-BDBD-1522A85D6C1D}"/>
+              </a:ext>
+              <a:ext uri="{C183D7F6-B498-43B3-948B-1728B52AA6E4}">
+                <adec:decorative xmlns:adec="http://schemas.microsoft.com/office/drawing/2017/decorative" val="1"/>
+              </a:ext>
+            </a:extLst>
+          </p:cNvPr>
+          <p:cNvSpPr>
+            <a:spLocks noGrp="1" noRot="1" noChangeAspect="1" noMove="1" noResize="1" noEditPoints="1" noAdjustHandles="1" noChangeArrowheads="1" noChangeShapeType="1" noTextEdit="1"/>
+          </p:cNvSpPr>
+          <p:nvPr>
+            <p:extLst>
+              <p:ext uri="{386F3935-93C4-4BCD-93E2-E3B085C9AB24}">
+                <p16:designElem xmlns:p16="http://schemas.microsoft.com/office/powerpoint/2015/main" val="1"/>
+              </p:ext>
+            </p:extLst>
+          </p:nvPr>
+        </p:nvSpPr>
+        <p:spPr>
+          <a:xfrm>
+            <a:off x="0" y="0"/>
+            <a:ext cx="9144000" cy="4750737"/>
+          </a:xfrm>
+          <a:prstGeom prst="rect">
+            <a:avLst/>
+          </a:prstGeom>
+          <a:ln>
+            <a:noFill/>
+          </a:ln>
+        </p:spPr>
+        <p:style>
+          <a:lnRef idx="2">
+            <a:schemeClr val="accent1">
+              <a:shade val="50000"/>
+            </a:schemeClr>
+          </a:lnRef>
+          <a:fillRef idx="1">
+            <a:schemeClr val="accent1"/>
+          </a:fillRef>
+          <a:effectRef idx="0">
+            <a:schemeClr val="accent1"/>
+          </a:effectRef>
+          <a:fontRef idx="minor">
+            <a:schemeClr val="lt1"/>
+          </a:fontRef>
+        </p:style>
+        <p:txBody>
+          <a:bodyPr rtlCol="0" anchor="ctr"/>
+          <a:lstStyle/>
+          <a:p>
+            <a:pPr algn="ctr"/>
+            <a:endParaRPr lang="en-US"/>
+          </a:p>
+        </p:txBody>
+      </p:sp>
+      <p:sp>
+        <p:nvSpPr>
+          <p:cNvPr id="7" name="Google Shape;61;p14">
+            <a:extLst>
+              <a:ext uri="{FF2B5EF4-FFF2-40B4-BE49-F238E27FC236}">
+                <a16:creationId xmlns:a16="http://schemas.microsoft.com/office/drawing/2014/main" id="{16075AB2-C384-4229-AE7A-E758D47F61D8}"/>
+              </a:ext>
+            </a:extLst>
+          </p:cNvPr>
           <p:cNvSpPr txBox="1">
             <a:spLocks noGrp="1"/>
           </p:cNvSpPr>
@@ -5890,36 +6239,110 @@
           </p:nvPr>
         </p:nvSpPr>
         <p:spPr>
+          <a:xfrm>
+            <a:off x="5894613" y="476209"/>
+            <a:ext cx="2767693" cy="1088068"/>
+          </a:xfrm>
           <a:prstGeom prst="rect">
             <a:avLst/>
           </a:prstGeom>
         </p:spPr>
         <p:txBody>
-          <a:bodyPr spcFirstLastPara="1" wrap="square" lIns="91425" tIns="91425" rIns="91425" bIns="91425" anchor="t" anchorCtr="0">
-            <a:noAutofit/>
+          <a:bodyPr spcFirstLastPara="1" vert="horz" lIns="91440" tIns="45720" rIns="91440" bIns="45720" rtlCol="0" anchor="b" anchorCtr="0">
+            <a:normAutofit/>
           </a:bodyPr>
           <a:lstStyle/>
           <a:p>
-            <a:pPr marL="0" lvl="0" indent="0" algn="ctr" rtl="0">
+            <a:pPr lvl="0" indent="0" defTabSz="914400">
               <a:spcBef>
-                <a:spcPts val="0"/>
+                <a:spcPct val="0"/>
               </a:spcBef>
               <a:spcAft>
                 <a:spcPts val="0"/>
               </a:spcAft>
-              <a:buNone/>
             </a:pPr>
             <a:r>
-              <a:rPr lang="en-US" sz="3200" dirty="0"/>
-              <a:t>Data stationarity</a:t>
-            </a:r>
-            <a:endParaRPr sz="3200" dirty="0"/>
-          </a:p>
-        </p:txBody>
-      </p:sp>
-      <p:sp>
-        <p:nvSpPr>
-          <p:cNvPr id="84" name="Google Shape;84;p18"/>
+              <a:rPr lang="en-US" sz="3700" kern="1200" spc="-50" baseline="0">
+                <a:solidFill>
+                  <a:schemeClr val="tx1">
+                    <a:lumMod val="75000"/>
+                    <a:lumOff val="25000"/>
+                  </a:schemeClr>
+                </a:solidFill>
+                <a:latin typeface="+mj-lt"/>
+                <a:ea typeface="+mj-ea"/>
+                <a:cs typeface="+mj-cs"/>
+              </a:rPr>
+              <a:t>How results carry forward</a:t>
+            </a:r>
+          </a:p>
+        </p:txBody>
+      </p:sp>
+      <p:cxnSp>
+        <p:nvCxnSpPr>
+          <p:cNvPr id="20" name="Straight Connector 19">
+            <a:extLst>
+              <a:ext uri="{FF2B5EF4-FFF2-40B4-BE49-F238E27FC236}">
+                <a16:creationId xmlns:a16="http://schemas.microsoft.com/office/drawing/2014/main" id="{C947DF4A-614C-4B4C-8B80-E5B9D8E8CFED}"/>
+              </a:ext>
+              <a:ext uri="{C183D7F6-B498-43B3-948B-1728B52AA6E4}">
+                <adec:decorative xmlns:adec="http://schemas.microsoft.com/office/drawing/2017/decorative" val="1"/>
+              </a:ext>
+            </a:extLst>
+          </p:cNvPr>
+          <p:cNvCxnSpPr>
+            <a:cxnSpLocks noGrp="1" noRot="1" noChangeAspect="1" noMove="1" noResize="1" noEditPoints="1" noAdjustHandles="1" noChangeArrowheads="1" noChangeShapeType="1"/>
+          </p:cNvCxnSpPr>
+          <p:nvPr>
+            <p:extLst>
+              <p:ext uri="{386F3935-93C4-4BCD-93E2-E3B085C9AB24}">
+                <p16:designElem xmlns:p16="http://schemas.microsoft.com/office/powerpoint/2015/main" val="1"/>
+              </p:ext>
+            </p:extLst>
+          </p:nvPr>
+        </p:nvCxnSpPr>
+        <p:spPr>
+          <a:xfrm>
+            <a:off x="5919107" y="1564277"/>
+            <a:ext cx="2674620" cy="0"/>
+          </a:xfrm>
+          <a:prstGeom prst="line">
+            <a:avLst/>
+          </a:prstGeom>
+          <a:ln w="6350">
+            <a:solidFill>
+              <a:schemeClr val="tx1">
+                <a:lumMod val="50000"/>
+                <a:lumOff val="50000"/>
+                <a:alpha val="90000"/>
+              </a:schemeClr>
+            </a:solidFill>
+          </a:ln>
+        </p:spPr>
+        <p:style>
+          <a:lnRef idx="1">
+            <a:schemeClr val="accent1"/>
+          </a:lnRef>
+          <a:fillRef idx="0">
+            <a:schemeClr val="accent1"/>
+          </a:fillRef>
+          <a:effectRef idx="0">
+            <a:schemeClr val="accent1"/>
+          </a:effectRef>
+          <a:fontRef idx="minor">
+            <a:schemeClr val="tx1"/>
+          </a:fontRef>
+        </p:style>
+      </p:cxnSp>
+      <p:sp>
+        <p:nvSpPr>
+          <p:cNvPr id="5" name="Google Shape;84;p18">
+            <a:extLst>
+              <a:ext uri="{FF2B5EF4-FFF2-40B4-BE49-F238E27FC236}">
+                <a16:creationId xmlns:a16="http://schemas.microsoft.com/office/drawing/2014/main" id="{3019D327-FED4-407C-9D19-B71A2DF0108C}"/>
+              </a:ext>
+            </a:extLst>
+          </p:cNvPr>
           <p:cNvSpPr txBox="1">
             <a:spLocks noGrp="1"/>
           </p:cNvSpPr>
@@ -5929,66 +6352,156 @@
         </p:nvSpPr>
         <p:spPr>
           <a:xfrm>
-            <a:off x="770021" y="1636002"/>
-            <a:ext cx="3653123" cy="2965920"/>
+            <a:off x="5894613" y="1649185"/>
+            <a:ext cx="2767693" cy="2752635"/>
           </a:xfrm>
           <a:prstGeom prst="rect">
             <a:avLst/>
           </a:prstGeom>
         </p:spPr>
         <p:txBody>
-          <a:bodyPr spcFirstLastPara="1" wrap="square" lIns="91425" tIns="91425" rIns="91425" bIns="91425" anchor="t" anchorCtr="0">
-            <a:noAutofit/>
+          <a:bodyPr spcFirstLastPara="1" vert="horz" lIns="0" tIns="45720" rIns="0" bIns="45720" rtlCol="0" anchorCtr="0">
+            <a:normAutofit/>
           </a:bodyPr>
           <a:lstStyle/>
           <a:p>
-            <a:pPr marL="0" lvl="0" indent="0" algn="l" rtl="0">
-              <a:spcBef>
-                <a:spcPts val="0"/>
-              </a:spcBef>
+            <a:pPr marL="0" lvl="0" indent="0" defTabSz="914400">
               <a:spcAft>
                 <a:spcPts val="1600"/>
               </a:spcAft>
+              <a:buFont typeface="Calibri" panose="020F0502020204030204" pitchFamily="34" charset="0"/>
               <a:buNone/>
             </a:pPr>
             <a:r>
-              <a:rPr lang="en-US" sz="1600" b="1" dirty="0">
+              <a:rPr lang="en-US" sz="1500" kern="1200" dirty="0">
                 <a:solidFill>
                   <a:srgbClr val="002060"/>
                 </a:solidFill>
                 <a:latin typeface="+mj-lt"/>
+                <a:ea typeface="+mn-ea"/>
+                <a:cs typeface="+mn-cs"/>
               </a:rPr>
-              <a:t>Returns are non-stationary and non normally distributed</a:t>
-            </a:r>
-          </a:p>
-          <a:p>
-            <a:pPr marL="0" lvl="0" indent="0" algn="l" rtl="0">
-              <a:spcBef>
-                <a:spcPts val="0"/>
-              </a:spcBef>
-              <a:spcAft>
-                <a:spcPts val="1600"/>
-              </a:spcAft>
-              <a:buNone/>
-            </a:pPr>
-            <a:r>
-              <a:rPr lang="en-US" sz="1600" b="1" dirty="0">
-                <a:solidFill>
-                  <a:srgbClr val="002060"/>
-                </a:solidFill>
-                <a:latin typeface="+mj-lt"/>
-              </a:rPr>
-              <a:t>###NEEDS SHIFTING CORRELATION CHART</a:t>
-            </a:r>
-          </a:p>
-        </p:txBody>
+              <a:t>“It’s tough to make predictions, especially about the future.”	-Yogi Berra</a:t>
+            </a:r>
+          </a:p>
+        </p:txBody>
+      </p:sp>
+      <p:sp>
+        <p:nvSpPr>
+          <p:cNvPr id="22" name="Rectangle 21">
+            <a:extLst>
+              <a:ext uri="{FF2B5EF4-FFF2-40B4-BE49-F238E27FC236}">
+                <a16:creationId xmlns:a16="http://schemas.microsoft.com/office/drawing/2014/main" id="{1E299956-A9E7-4FC1-A0B1-D590CA9730E8}"/>
+              </a:ext>
+              <a:ext uri="{C183D7F6-B498-43B3-948B-1728B52AA6E4}">
+                <adec:decorative xmlns:adec="http://schemas.microsoft.com/office/drawing/2017/decorative" val="1"/>
+              </a:ext>
+            </a:extLst>
+          </p:cNvPr>
+          <p:cNvSpPr>
+            <a:spLocks noGrp="1" noRot="1" noChangeAspect="1" noMove="1" noResize="1" noEditPoints="1" noAdjustHandles="1" noChangeArrowheads="1" noChangeShapeType="1" noTextEdit="1"/>
+          </p:cNvSpPr>
+          <p:nvPr>
+            <p:extLst>
+              <p:ext uri="{386F3935-93C4-4BCD-93E2-E3B085C9AB24}">
+                <p16:designElem xmlns:p16="http://schemas.microsoft.com/office/powerpoint/2015/main" val="1"/>
+              </p:ext>
+            </p:extLst>
+          </p:nvPr>
+        </p:nvSpPr>
+        <p:spPr>
+          <a:xfrm>
+            <a:off x="11" y="4750737"/>
+            <a:ext cx="9143989" cy="49863"/>
+          </a:xfrm>
+          <a:prstGeom prst="rect">
+            <a:avLst/>
+          </a:prstGeom>
+          <a:solidFill>
+            <a:schemeClr val="accent1"/>
+          </a:solidFill>
+          <a:ln>
+            <a:noFill/>
+          </a:ln>
+        </p:spPr>
+        <p:style>
+          <a:lnRef idx="2">
+            <a:schemeClr val="accent1">
+              <a:shade val="50000"/>
+            </a:schemeClr>
+          </a:lnRef>
+          <a:fillRef idx="1">
+            <a:schemeClr val="accent1"/>
+          </a:fillRef>
+          <a:effectRef idx="0">
+            <a:schemeClr val="accent1"/>
+          </a:effectRef>
+          <a:fontRef idx="minor">
+            <a:schemeClr val="lt1"/>
+          </a:fontRef>
+        </p:style>
+      </p:sp>
+      <p:sp>
+        <p:nvSpPr>
+          <p:cNvPr id="24" name="Rectangle 23">
+            <a:extLst>
+              <a:ext uri="{FF2B5EF4-FFF2-40B4-BE49-F238E27FC236}">
+                <a16:creationId xmlns:a16="http://schemas.microsoft.com/office/drawing/2014/main" id="{17FC539C-B783-4B03-9F9E-D13430F3F64F}"/>
+              </a:ext>
+              <a:ext uri="{C183D7F6-B498-43B3-948B-1728B52AA6E4}">
+                <adec:decorative xmlns:adec="http://schemas.microsoft.com/office/drawing/2017/decorative" val="1"/>
+              </a:ext>
+            </a:extLst>
+          </p:cNvPr>
+          <p:cNvSpPr>
+            <a:spLocks noGrp="1" noRot="1" noChangeAspect="1" noMove="1" noResize="1" noEditPoints="1" noAdjustHandles="1" noChangeArrowheads="1" noChangeShapeType="1" noTextEdit="1"/>
+          </p:cNvSpPr>
+          <p:nvPr>
+            <p:extLst>
+              <p:ext uri="{386F3935-93C4-4BCD-93E2-E3B085C9AB24}">
+                <p16:designElem xmlns:p16="http://schemas.microsoft.com/office/powerpoint/2015/main" val="1"/>
+              </p:ext>
+            </p:extLst>
+          </p:nvPr>
+        </p:nvSpPr>
+        <p:spPr>
+          <a:xfrm>
+            <a:off x="0" y="4800600"/>
+            <a:ext cx="9144000" cy="342900"/>
+          </a:xfrm>
+          <a:prstGeom prst="rect">
+            <a:avLst/>
+          </a:prstGeom>
+          <a:solidFill>
+            <a:schemeClr val="accent2"/>
+          </a:solidFill>
+          <a:ln>
+            <a:noFill/>
+          </a:ln>
+        </p:spPr>
+        <p:style>
+          <a:lnRef idx="2">
+            <a:schemeClr val="accent1">
+              <a:shade val="50000"/>
+            </a:schemeClr>
+          </a:lnRef>
+          <a:fillRef idx="1">
+            <a:schemeClr val="accent1"/>
+          </a:fillRef>
+          <a:effectRef idx="0">
+            <a:schemeClr val="accent1"/>
+          </a:effectRef>
+          <a:fontRef idx="minor">
+            <a:schemeClr val="lt1"/>
+          </a:fontRef>
+        </p:style>
       </p:sp>
       <p:pic>
         <p:nvPicPr>
-          <p:cNvPr id="2" name="Picture 1">
+          <p:cNvPr id="15" name="Picture 14">
             <a:extLst>
               <a:ext uri="{FF2B5EF4-FFF2-40B4-BE49-F238E27FC236}">
-                <a16:creationId xmlns:a16="http://schemas.microsoft.com/office/drawing/2014/main" id="{BE24C367-E241-44CE-A11D-516B2BC8C368}"/>
+                <a16:creationId xmlns:a16="http://schemas.microsoft.com/office/drawing/2014/main" id="{80F32209-2062-4893-B126-F9CE982D28D9}"/>
               </a:ext>
             </a:extLst>
           </p:cNvPr>
@@ -6016,12 +6529,707 @@
         </p:blipFill>
         <p:spPr>
           <a:xfrm>
-            <a:off x="4893129" y="1159240"/>
-            <a:ext cx="4114800" cy="2743200"/>
+            <a:off x="175205" y="913934"/>
+            <a:ext cx="5823173" cy="3493903"/>
           </a:xfrm>
           <a:prstGeom prst="rect">
             <a:avLst/>
           </a:prstGeom>
+        </p:spPr>
+      </p:pic>
+      <p:sp>
+        <p:nvSpPr>
+          <p:cNvPr id="17" name="TextBox 16">
+            <a:extLst>
+              <a:ext uri="{FF2B5EF4-FFF2-40B4-BE49-F238E27FC236}">
+                <a16:creationId xmlns:a16="http://schemas.microsoft.com/office/drawing/2014/main" id="{F3356224-A5B4-4ABB-8059-DA35C6CC3C7C}"/>
+              </a:ext>
+            </a:extLst>
+          </p:cNvPr>
+          <p:cNvSpPr txBox="1"/>
+          <p:nvPr/>
+        </p:nvSpPr>
+        <p:spPr>
+          <a:xfrm>
+            <a:off x="1089377" y="1405872"/>
+            <a:ext cx="1461912" cy="646331"/>
+          </a:xfrm>
+          <a:prstGeom prst="rect">
+            <a:avLst/>
+          </a:prstGeom>
+          <a:noFill/>
+        </p:spPr>
+        <p:txBody>
+          <a:bodyPr wrap="square" rtlCol="0">
+            <a:spAutoFit/>
+          </a:bodyPr>
+          <a:lstStyle/>
+          <a:p>
+            <a:r>
+              <a:rPr lang="en-US" dirty="0">
+                <a:solidFill>
+                  <a:schemeClr val="bg2">
+                    <a:lumMod val="25000"/>
+                  </a:schemeClr>
+                </a:solidFill>
+                <a:latin typeface="+mj-lt"/>
+              </a:rPr>
+              <a:t>Test Performance</a:t>
+            </a:r>
+          </a:p>
+        </p:txBody>
+      </p:sp>
+    </p:spTree>
+  </p:cSld>
+  <p:clrMapOvr>
+    <a:masterClrMapping/>
+  </p:clrMapOvr>
+</p:sld>
+</file>
+
+<file path=ppt/slides/slide11.xml><?xml version="1.0" encoding="utf-8"?>
+<p:sld xmlns:a="http://schemas.openxmlformats.org/drawingml/2006/main" xmlns:r="http://schemas.openxmlformats.org/officeDocument/2006/relationships" xmlns:p="http://schemas.openxmlformats.org/presentationml/2006/main">
+  <p:cSld>
+    <p:bg>
+      <p:bgPr>
+        <a:solidFill>
+          <a:schemeClr val="bg1"/>
+        </a:solidFill>
+        <a:effectLst/>
+      </p:bgPr>
+    </p:bg>
+    <p:spTree>
+      <p:nvGrpSpPr>
+        <p:cNvPr id="1" name="Shape 82"/>
+        <p:cNvGrpSpPr/>
+        <p:nvPr/>
+      </p:nvGrpSpPr>
+      <p:grpSpPr>
+        <a:xfrm>
+          <a:off x="0" y="0"/>
+          <a:ext cx="0" cy="0"/>
+          <a:chOff x="0" y="0"/>
+          <a:chExt cx="0" cy="0"/>
+        </a:xfrm>
+      </p:grpSpPr>
+      <p:sp>
+        <p:nvSpPr>
+          <p:cNvPr id="89" name="Rectangle 88">
+            <a:extLst>
+              <a:ext uri="{FF2B5EF4-FFF2-40B4-BE49-F238E27FC236}">
+                <a16:creationId xmlns:a16="http://schemas.microsoft.com/office/drawing/2014/main" id="{7D379150-F6B4-45C8-BE10-6B278AD400EB}"/>
+              </a:ext>
+              <a:ext uri="{C183D7F6-B498-43B3-948B-1728B52AA6E4}">
+                <adec:decorative xmlns:adec="http://schemas.microsoft.com/office/drawing/2017/decorative" val="1"/>
+              </a:ext>
+            </a:extLst>
+          </p:cNvPr>
+          <p:cNvSpPr>
+            <a:spLocks noGrp="1" noRot="1" noChangeAspect="1" noMove="1" noResize="1" noEditPoints="1" noAdjustHandles="1" noChangeArrowheads="1" noChangeShapeType="1" noTextEdit="1"/>
+          </p:cNvSpPr>
+          <p:nvPr>
+            <p:extLst>
+              <p:ext uri="{386F3935-93C4-4BCD-93E2-E3B085C9AB24}">
+                <p16:designElem xmlns:p16="http://schemas.microsoft.com/office/powerpoint/2015/main" val="1"/>
+              </p:ext>
+            </p:extLst>
+          </p:nvPr>
+        </p:nvSpPr>
+        <p:spPr>
+          <a:xfrm>
+            <a:off x="0" y="4800600"/>
+            <a:ext cx="9144000" cy="342900"/>
+          </a:xfrm>
+          <a:prstGeom prst="rect">
+            <a:avLst/>
+          </a:prstGeom>
+          <a:solidFill>
+            <a:schemeClr val="accent2"/>
+          </a:solidFill>
+          <a:ln>
+            <a:noFill/>
+          </a:ln>
+        </p:spPr>
+        <p:style>
+          <a:lnRef idx="2">
+            <a:schemeClr val="accent1">
+              <a:shade val="50000"/>
+            </a:schemeClr>
+          </a:lnRef>
+          <a:fillRef idx="1">
+            <a:schemeClr val="accent1"/>
+          </a:fillRef>
+          <a:effectRef idx="0">
+            <a:schemeClr val="accent1"/>
+          </a:effectRef>
+          <a:fontRef idx="minor">
+            <a:schemeClr val="lt1"/>
+          </a:fontRef>
+        </p:style>
+      </p:sp>
+      <p:sp>
+        <p:nvSpPr>
+          <p:cNvPr id="91" name="Rectangle 90">
+            <a:extLst>
+              <a:ext uri="{FF2B5EF4-FFF2-40B4-BE49-F238E27FC236}">
+                <a16:creationId xmlns:a16="http://schemas.microsoft.com/office/drawing/2014/main" id="{5FFCF544-A370-4A5D-A95F-CA6E0E7191E6}"/>
+              </a:ext>
+              <a:ext uri="{C183D7F6-B498-43B3-948B-1728B52AA6E4}">
+                <adec:decorative xmlns:adec="http://schemas.microsoft.com/office/drawing/2017/decorative" val="1"/>
+              </a:ext>
+            </a:extLst>
+          </p:cNvPr>
+          <p:cNvSpPr>
+            <a:spLocks noGrp="1" noRot="1" noChangeAspect="1" noMove="1" noResize="1" noEditPoints="1" noAdjustHandles="1" noChangeArrowheads="1" noChangeShapeType="1" noTextEdit="1"/>
+          </p:cNvSpPr>
+          <p:nvPr>
+            <p:extLst>
+              <p:ext uri="{386F3935-93C4-4BCD-93E2-E3B085C9AB24}">
+                <p16:designElem xmlns:p16="http://schemas.microsoft.com/office/powerpoint/2015/main" val="1"/>
+              </p:ext>
+            </p:extLst>
+          </p:nvPr>
+        </p:nvSpPr>
+        <p:spPr>
+          <a:xfrm>
+            <a:off x="0" y="4750737"/>
+            <a:ext cx="9144000" cy="49498"/>
+          </a:xfrm>
+          <a:prstGeom prst="rect">
+            <a:avLst/>
+          </a:prstGeom>
+          <a:solidFill>
+            <a:schemeClr val="accent1"/>
+          </a:solidFill>
+          <a:ln>
+            <a:noFill/>
+          </a:ln>
+        </p:spPr>
+        <p:style>
+          <a:lnRef idx="2">
+            <a:schemeClr val="accent1">
+              <a:shade val="50000"/>
+            </a:schemeClr>
+          </a:lnRef>
+          <a:fillRef idx="1">
+            <a:schemeClr val="accent1"/>
+          </a:fillRef>
+          <a:effectRef idx="0">
+            <a:schemeClr val="accent1"/>
+          </a:effectRef>
+          <a:fontRef idx="minor">
+            <a:schemeClr val="lt1"/>
+          </a:fontRef>
+        </p:style>
+      </p:sp>
+      <p:cxnSp>
+        <p:nvCxnSpPr>
+          <p:cNvPr id="93" name="Straight Connector 92">
+            <a:extLst>
+              <a:ext uri="{FF2B5EF4-FFF2-40B4-BE49-F238E27FC236}">
+                <a16:creationId xmlns:a16="http://schemas.microsoft.com/office/drawing/2014/main" id="{6EEB3B97-A638-498B-8083-54191CE71E01}"/>
+              </a:ext>
+              <a:ext uri="{C183D7F6-B498-43B3-948B-1728B52AA6E4}">
+                <adec:decorative xmlns:adec="http://schemas.microsoft.com/office/drawing/2017/decorative" val="1"/>
+              </a:ext>
+            </a:extLst>
+          </p:cNvPr>
+          <p:cNvCxnSpPr>
+            <a:cxnSpLocks noGrp="1" noRot="1" noChangeAspect="1" noMove="1" noResize="1" noEditPoints="1" noAdjustHandles="1" noChangeArrowheads="1" noChangeShapeType="1"/>
+          </p:cNvCxnSpPr>
+          <p:nvPr>
+            <p:extLst>
+              <p:ext uri="{386F3935-93C4-4BCD-93E2-E3B085C9AB24}">
+                <p16:designElem xmlns:p16="http://schemas.microsoft.com/office/powerpoint/2015/main" val="1"/>
+              </p:ext>
+            </p:extLst>
+          </p:nvPr>
+        </p:nvCxnSpPr>
+        <p:spPr>
+          <a:xfrm>
+            <a:off x="895149" y="1303383"/>
+            <a:ext cx="7475220" cy="0"/>
+          </a:xfrm>
+          <a:prstGeom prst="line">
+            <a:avLst/>
+          </a:prstGeom>
+          <a:ln w="6350">
+            <a:solidFill>
+              <a:schemeClr val="tx1">
+                <a:lumMod val="50000"/>
+                <a:lumOff val="50000"/>
+              </a:schemeClr>
+            </a:solidFill>
+          </a:ln>
+        </p:spPr>
+        <p:style>
+          <a:lnRef idx="1">
+            <a:schemeClr val="accent1"/>
+          </a:lnRef>
+          <a:fillRef idx="0">
+            <a:schemeClr val="accent1"/>
+          </a:fillRef>
+          <a:effectRef idx="0">
+            <a:schemeClr val="accent1"/>
+          </a:effectRef>
+          <a:fontRef idx="minor">
+            <a:schemeClr val="tx1"/>
+          </a:fontRef>
+        </p:style>
+      </p:cxnSp>
+      <p:sp useBgFill="1">
+        <p:nvSpPr>
+          <p:cNvPr id="95" name="Rectangle 94">
+            <a:extLst>
+              <a:ext uri="{FF2B5EF4-FFF2-40B4-BE49-F238E27FC236}">
+                <a16:creationId xmlns:a16="http://schemas.microsoft.com/office/drawing/2014/main" id="{284B70D5-875B-433D-BDBD-1522A85D6C1D}"/>
+              </a:ext>
+              <a:ext uri="{C183D7F6-B498-43B3-948B-1728B52AA6E4}">
+                <adec:decorative xmlns:adec="http://schemas.microsoft.com/office/drawing/2017/decorative" val="1"/>
+              </a:ext>
+            </a:extLst>
+          </p:cNvPr>
+          <p:cNvSpPr>
+            <a:spLocks noGrp="1" noRot="1" noChangeAspect="1" noMove="1" noResize="1" noEditPoints="1" noAdjustHandles="1" noChangeArrowheads="1" noChangeShapeType="1" noTextEdit="1"/>
+          </p:cNvSpPr>
+          <p:nvPr>
+            <p:extLst>
+              <p:ext uri="{386F3935-93C4-4BCD-93E2-E3B085C9AB24}">
+                <p16:designElem xmlns:p16="http://schemas.microsoft.com/office/powerpoint/2015/main" val="1"/>
+              </p:ext>
+            </p:extLst>
+          </p:nvPr>
+        </p:nvSpPr>
+        <p:spPr>
+          <a:xfrm>
+            <a:off x="0" y="0"/>
+            <a:ext cx="9144000" cy="4750737"/>
+          </a:xfrm>
+          <a:prstGeom prst="rect">
+            <a:avLst/>
+          </a:prstGeom>
+          <a:ln>
+            <a:noFill/>
+          </a:ln>
+        </p:spPr>
+        <p:style>
+          <a:lnRef idx="2">
+            <a:schemeClr val="accent1">
+              <a:shade val="50000"/>
+            </a:schemeClr>
+          </a:lnRef>
+          <a:fillRef idx="1">
+            <a:schemeClr val="accent1"/>
+          </a:fillRef>
+          <a:effectRef idx="0">
+            <a:schemeClr val="accent1"/>
+          </a:effectRef>
+          <a:fontRef idx="minor">
+            <a:schemeClr val="lt1"/>
+          </a:fontRef>
+        </p:style>
+        <p:txBody>
+          <a:bodyPr rtlCol="0" anchor="ctr"/>
+          <a:lstStyle/>
+          <a:p>
+            <a:pPr algn="ctr"/>
+            <a:endParaRPr lang="en-US"/>
+          </a:p>
+        </p:txBody>
+      </p:sp>
+      <p:sp>
+        <p:nvSpPr>
+          <p:cNvPr id="83" name="Google Shape;83;p18"/>
+          <p:cNvSpPr txBox="1">
+            <a:spLocks noGrp="1"/>
+          </p:cNvSpPr>
+          <p:nvPr>
+            <p:ph type="title"/>
+          </p:nvPr>
+        </p:nvSpPr>
+        <p:spPr>
+          <a:xfrm>
+            <a:off x="5894613" y="476209"/>
+            <a:ext cx="2767693" cy="1088068"/>
+          </a:xfrm>
+          <a:prstGeom prst="rect">
+            <a:avLst/>
+          </a:prstGeom>
+        </p:spPr>
+        <p:txBody>
+          <a:bodyPr spcFirstLastPara="1" vert="horz" lIns="91440" tIns="45720" rIns="91440" bIns="45720" rtlCol="0" anchor="b" anchorCtr="0">
+            <a:normAutofit/>
+          </a:bodyPr>
+          <a:lstStyle/>
+          <a:p>
+            <a:pPr lvl="0" indent="0" defTabSz="914400">
+              <a:spcBef>
+                <a:spcPct val="0"/>
+              </a:spcBef>
+              <a:spcAft>
+                <a:spcPts val="0"/>
+              </a:spcAft>
+            </a:pPr>
+            <a:r>
+              <a:rPr lang="en-US" sz="3700" kern="1200" spc="-50" baseline="0">
+                <a:solidFill>
+                  <a:schemeClr val="tx1">
+                    <a:lumMod val="75000"/>
+                    <a:lumOff val="25000"/>
+                  </a:schemeClr>
+                </a:solidFill>
+                <a:latin typeface="+mj-lt"/>
+                <a:ea typeface="+mj-ea"/>
+                <a:cs typeface="+mj-cs"/>
+              </a:rPr>
+              <a:t>Data stationarity</a:t>
+            </a:r>
+          </a:p>
+        </p:txBody>
+      </p:sp>
+      <p:pic>
+        <p:nvPicPr>
+          <p:cNvPr id="6" name="Picture 5">
+            <a:extLst>
+              <a:ext uri="{FF2B5EF4-FFF2-40B4-BE49-F238E27FC236}">
+                <a16:creationId xmlns:a16="http://schemas.microsoft.com/office/drawing/2014/main" id="{A6B7E385-8B42-4867-B668-C5EABE366BC5}"/>
+              </a:ext>
+            </a:extLst>
+          </p:cNvPr>
+          <p:cNvPicPr>
+            <a:picLocks noChangeAspect="1"/>
+          </p:cNvPicPr>
+          <p:nvPr/>
+        </p:nvPicPr>
+        <p:blipFill>
+          <a:blip r:embed="rId3">
+            <a:clrChange>
+              <a:clrFrom>
+                <a:srgbClr val="FFFFFF"/>
+              </a:clrFrom>
+              <a:clrTo>
+                <a:srgbClr val="FFFFFF">
+                  <a:alpha val="0"/>
+                </a:srgbClr>
+              </a:clrTo>
+            </a:clrChange>
+          </a:blip>
+          <a:stretch>
+            <a:fillRect/>
+          </a:stretch>
+        </p:blipFill>
+        <p:spPr>
+          <a:xfrm>
+            <a:off x="12273" y="869255"/>
+            <a:ext cx="6006371" cy="3603822"/>
+          </a:xfrm>
+          <a:prstGeom prst="rect">
+            <a:avLst/>
+          </a:prstGeom>
+        </p:spPr>
+      </p:pic>
+      <p:cxnSp>
+        <p:nvCxnSpPr>
+          <p:cNvPr id="97" name="Straight Connector 96">
+            <a:extLst>
+              <a:ext uri="{FF2B5EF4-FFF2-40B4-BE49-F238E27FC236}">
+                <a16:creationId xmlns:a16="http://schemas.microsoft.com/office/drawing/2014/main" id="{C947DF4A-614C-4B4C-8B80-E5B9D8E8CFED}"/>
+              </a:ext>
+              <a:ext uri="{C183D7F6-B498-43B3-948B-1728B52AA6E4}">
+                <adec:decorative xmlns:adec="http://schemas.microsoft.com/office/drawing/2017/decorative" val="1"/>
+              </a:ext>
+            </a:extLst>
+          </p:cNvPr>
+          <p:cNvCxnSpPr>
+            <a:cxnSpLocks noGrp="1" noRot="1" noChangeAspect="1" noMove="1" noResize="1" noEditPoints="1" noAdjustHandles="1" noChangeArrowheads="1" noChangeShapeType="1"/>
+          </p:cNvCxnSpPr>
+          <p:nvPr>
+            <p:extLst>
+              <p:ext uri="{386F3935-93C4-4BCD-93E2-E3B085C9AB24}">
+                <p16:designElem xmlns:p16="http://schemas.microsoft.com/office/powerpoint/2015/main" val="1"/>
+              </p:ext>
+            </p:extLst>
+          </p:nvPr>
+        </p:nvCxnSpPr>
+        <p:spPr>
+          <a:xfrm>
+            <a:off x="5919107" y="1564277"/>
+            <a:ext cx="2674620" cy="0"/>
+          </a:xfrm>
+          <a:prstGeom prst="line">
+            <a:avLst/>
+          </a:prstGeom>
+          <a:ln w="6350">
+            <a:solidFill>
+              <a:schemeClr val="tx1">
+                <a:lumMod val="50000"/>
+                <a:lumOff val="50000"/>
+                <a:alpha val="90000"/>
+              </a:schemeClr>
+            </a:solidFill>
+          </a:ln>
+        </p:spPr>
+        <p:style>
+          <a:lnRef idx="1">
+            <a:schemeClr val="accent1"/>
+          </a:lnRef>
+          <a:fillRef idx="0">
+            <a:schemeClr val="accent1"/>
+          </a:fillRef>
+          <a:effectRef idx="0">
+            <a:schemeClr val="accent1"/>
+          </a:effectRef>
+          <a:fontRef idx="minor">
+            <a:schemeClr val="tx1"/>
+          </a:fontRef>
+        </p:style>
+      </p:cxnSp>
+      <p:sp>
+        <p:nvSpPr>
+          <p:cNvPr id="84" name="Google Shape;84;p18"/>
+          <p:cNvSpPr txBox="1">
+            <a:spLocks noGrp="1"/>
+          </p:cNvSpPr>
+          <p:nvPr>
+            <p:ph type="body" idx="1"/>
+          </p:nvPr>
+        </p:nvSpPr>
+        <p:spPr>
+          <a:xfrm>
+            <a:off x="5894613" y="1649185"/>
+            <a:ext cx="2767693" cy="2752635"/>
+          </a:xfrm>
+          <a:prstGeom prst="rect">
+            <a:avLst/>
+          </a:prstGeom>
+        </p:spPr>
+        <p:txBody>
+          <a:bodyPr spcFirstLastPara="1" vert="horz" lIns="0" tIns="45720" rIns="0" bIns="45720" rtlCol="0" anchorCtr="0">
+            <a:normAutofit/>
+          </a:bodyPr>
+          <a:lstStyle/>
+          <a:p>
+            <a:pPr marL="0" lvl="0" indent="0" defTabSz="914400">
+              <a:spcBef>
+                <a:spcPts val="0"/>
+              </a:spcBef>
+              <a:spcAft>
+                <a:spcPts val="1600"/>
+              </a:spcAft>
+              <a:buFont typeface="Calibri" panose="020F0502020204030204" pitchFamily="34" charset="0"/>
+              <a:buNone/>
+            </a:pPr>
+            <a:r>
+              <a:rPr lang="en-US" sz="1500" kern="1200" dirty="0">
+                <a:solidFill>
+                  <a:srgbClr val="002060"/>
+                </a:solidFill>
+                <a:latin typeface="+mj-lt"/>
+                <a:ea typeface="+mn-ea"/>
+                <a:cs typeface="+mn-cs"/>
+              </a:rPr>
+              <a:t>Returns are non-stationary and non normally distributed</a:t>
+            </a:r>
+          </a:p>
+        </p:txBody>
+      </p:sp>
+      <p:sp>
+        <p:nvSpPr>
+          <p:cNvPr id="99" name="Rectangle 98">
+            <a:extLst>
+              <a:ext uri="{FF2B5EF4-FFF2-40B4-BE49-F238E27FC236}">
+                <a16:creationId xmlns:a16="http://schemas.microsoft.com/office/drawing/2014/main" id="{1E299956-A9E7-4FC1-A0B1-D590CA9730E8}"/>
+              </a:ext>
+              <a:ext uri="{C183D7F6-B498-43B3-948B-1728B52AA6E4}">
+                <adec:decorative xmlns:adec="http://schemas.microsoft.com/office/drawing/2017/decorative" val="1"/>
+              </a:ext>
+            </a:extLst>
+          </p:cNvPr>
+          <p:cNvSpPr>
+            <a:spLocks noGrp="1" noRot="1" noChangeAspect="1" noMove="1" noResize="1" noEditPoints="1" noAdjustHandles="1" noChangeArrowheads="1" noChangeShapeType="1" noTextEdit="1"/>
+          </p:cNvSpPr>
+          <p:nvPr>
+            <p:extLst>
+              <p:ext uri="{386F3935-93C4-4BCD-93E2-E3B085C9AB24}">
+                <p16:designElem xmlns:p16="http://schemas.microsoft.com/office/powerpoint/2015/main" val="1"/>
+              </p:ext>
+            </p:extLst>
+          </p:nvPr>
+        </p:nvSpPr>
+        <p:spPr>
+          <a:xfrm>
+            <a:off x="11" y="4750737"/>
+            <a:ext cx="9143989" cy="49863"/>
+          </a:xfrm>
+          <a:prstGeom prst="rect">
+            <a:avLst/>
+          </a:prstGeom>
+          <a:solidFill>
+            <a:schemeClr val="accent1"/>
+          </a:solidFill>
+          <a:ln>
+            <a:noFill/>
+          </a:ln>
+        </p:spPr>
+        <p:style>
+          <a:lnRef idx="2">
+            <a:schemeClr val="accent1">
+              <a:shade val="50000"/>
+            </a:schemeClr>
+          </a:lnRef>
+          <a:fillRef idx="1">
+            <a:schemeClr val="accent1"/>
+          </a:fillRef>
+          <a:effectRef idx="0">
+            <a:schemeClr val="accent1"/>
+          </a:effectRef>
+          <a:fontRef idx="minor">
+            <a:schemeClr val="lt1"/>
+          </a:fontRef>
+        </p:style>
+      </p:sp>
+      <p:sp>
+        <p:nvSpPr>
+          <p:cNvPr id="101" name="Rectangle 100">
+            <a:extLst>
+              <a:ext uri="{FF2B5EF4-FFF2-40B4-BE49-F238E27FC236}">
+                <a16:creationId xmlns:a16="http://schemas.microsoft.com/office/drawing/2014/main" id="{17FC539C-B783-4B03-9F9E-D13430F3F64F}"/>
+              </a:ext>
+              <a:ext uri="{C183D7F6-B498-43B3-948B-1728B52AA6E4}">
+                <adec:decorative xmlns:adec="http://schemas.microsoft.com/office/drawing/2017/decorative" val="1"/>
+              </a:ext>
+            </a:extLst>
+          </p:cNvPr>
+          <p:cNvSpPr>
+            <a:spLocks noGrp="1" noRot="1" noChangeAspect="1" noMove="1" noResize="1" noEditPoints="1" noAdjustHandles="1" noChangeArrowheads="1" noChangeShapeType="1" noTextEdit="1"/>
+          </p:cNvSpPr>
+          <p:nvPr>
+            <p:extLst>
+              <p:ext uri="{386F3935-93C4-4BCD-93E2-E3B085C9AB24}">
+                <p16:designElem xmlns:p16="http://schemas.microsoft.com/office/powerpoint/2015/main" val="1"/>
+              </p:ext>
+            </p:extLst>
+          </p:nvPr>
+        </p:nvSpPr>
+        <p:spPr>
+          <a:xfrm>
+            <a:off x="0" y="4800600"/>
+            <a:ext cx="9144000" cy="342900"/>
+          </a:xfrm>
+          <a:prstGeom prst="rect">
+            <a:avLst/>
+          </a:prstGeom>
+          <a:solidFill>
+            <a:schemeClr val="accent2"/>
+          </a:solidFill>
+          <a:ln>
+            <a:noFill/>
+          </a:ln>
+        </p:spPr>
+        <p:style>
+          <a:lnRef idx="2">
+            <a:schemeClr val="accent1">
+              <a:shade val="50000"/>
+            </a:schemeClr>
+          </a:lnRef>
+          <a:fillRef idx="1">
+            <a:schemeClr val="accent1"/>
+          </a:fillRef>
+          <a:effectRef idx="0">
+            <a:schemeClr val="accent1"/>
+          </a:effectRef>
+          <a:fontRef idx="minor">
+            <a:schemeClr val="lt1"/>
+          </a:fontRef>
+        </p:style>
+      </p:sp>
+      <p:sp>
+        <p:nvSpPr>
+          <p:cNvPr id="7" name="TextBox 6">
+            <a:extLst>
+              <a:ext uri="{FF2B5EF4-FFF2-40B4-BE49-F238E27FC236}">
+                <a16:creationId xmlns:a16="http://schemas.microsoft.com/office/drawing/2014/main" id="{D8E53475-E688-4770-B03D-3BB769814143}"/>
+              </a:ext>
+            </a:extLst>
+          </p:cNvPr>
+          <p:cNvSpPr txBox="1"/>
+          <p:nvPr/>
+        </p:nvSpPr>
+        <p:spPr>
+          <a:xfrm>
+            <a:off x="818444" y="1258711"/>
+            <a:ext cx="1461912" cy="646331"/>
+          </a:xfrm>
+          <a:prstGeom prst="rect">
+            <a:avLst/>
+          </a:prstGeom>
+          <a:noFill/>
+        </p:spPr>
+        <p:txBody>
+          <a:bodyPr wrap="square" rtlCol="0">
+            <a:spAutoFit/>
+          </a:bodyPr>
+          <a:lstStyle/>
+          <a:p>
+            <a:r>
+              <a:rPr lang="en-US" dirty="0">
+                <a:solidFill>
+                  <a:schemeClr val="bg2">
+                    <a:lumMod val="25000"/>
+                  </a:schemeClr>
+                </a:solidFill>
+                <a:latin typeface="+mj-lt"/>
+              </a:rPr>
+              <a:t>Average Correlation</a:t>
+            </a:r>
+          </a:p>
+        </p:txBody>
+      </p:sp>
+      <p:pic>
+        <p:nvPicPr>
+          <p:cNvPr id="1032" name="Picture 8">
+            <a:extLst>
+              <a:ext uri="{FF2B5EF4-FFF2-40B4-BE49-F238E27FC236}">
+                <a16:creationId xmlns:a16="http://schemas.microsoft.com/office/drawing/2014/main" id="{4B9CA69D-20DC-49EF-B963-BC83C76CEE01}"/>
+              </a:ext>
+            </a:extLst>
+          </p:cNvPr>
+          <p:cNvPicPr>
+            <a:picLocks noChangeAspect="1" noChangeArrowheads="1"/>
+          </p:cNvPicPr>
+          <p:nvPr/>
+        </p:nvPicPr>
+        <p:blipFill>
+          <a:blip r:embed="rId4">
+            <a:extLst>
+              <a:ext uri="{28A0092B-C50C-407E-A947-70E740481C1C}">
+                <a14:useLocalDpi xmlns:a14="http://schemas.microsoft.com/office/drawing/2010/main" val="0"/>
+              </a:ext>
+            </a:extLst>
+          </a:blip>
+          <a:srcRect/>
+          <a:stretch>
+            <a:fillRect/>
+          </a:stretch>
+        </p:blipFill>
+        <p:spPr bwMode="auto">
+          <a:xfrm>
+            <a:off x="5514621" y="2417871"/>
+            <a:ext cx="3079105" cy="1810141"/>
+          </a:xfrm>
+          <a:prstGeom prst="rect">
+            <a:avLst/>
+          </a:prstGeom>
+          <a:noFill/>
+          <a:extLst>
+            <a:ext uri="{909E8E84-426E-40DD-AFC4-6F175D3DCCD1}">
+              <a14:hiddenFill xmlns:a14="http://schemas.microsoft.com/office/drawing/2010/main">
+                <a:solidFill>
+                  <a:srgbClr val="FFFFFF"/>
+                </a:solidFill>
+              </a14:hiddenFill>
+            </a:ext>
+          </a:extLst>
         </p:spPr>
       </p:pic>
     </p:spTree>
@@ -6032,7 +7240,7 @@
 </p:sld>
 </file>
 
-<file path=ppt/slides/slide11.xml><?xml version="1.0" encoding="utf-8"?>
+<file path=ppt/slides/slide12.xml><?xml version="1.0" encoding="utf-8"?>
 <p:sld xmlns:a="http://schemas.openxmlformats.org/drawingml/2006/main" xmlns:r="http://schemas.openxmlformats.org/officeDocument/2006/relationships" xmlns:p="http://schemas.openxmlformats.org/presentationml/2006/main">
   <p:cSld>
     <p:spTree>
@@ -6180,7 +7388,7 @@
 </p:sld>
 </file>
 
-<file path=ppt/slides/slide12.xml><?xml version="1.0" encoding="utf-8"?>
+<file path=ppt/slides/slide13.xml><?xml version="1.0" encoding="utf-8"?>
 <p:sld xmlns:a="http://schemas.openxmlformats.org/drawingml/2006/main" xmlns:r="http://schemas.openxmlformats.org/officeDocument/2006/relationships" xmlns:p="http://schemas.openxmlformats.org/presentationml/2006/main">
   <p:cSld>
     <p:spTree>
@@ -6679,7 +7887,7 @@
             <a:avLst/>
           </a:prstGeom>
           <a:solidFill>
-            <a:srgbClr val="809C33"/>
+            <a:srgbClr val="FFC000"/>
           </a:solidFill>
         </p:spPr>
         <p:style>
@@ -6757,7 +7965,7 @@
             <a:avLst/>
           </a:prstGeom>
           <a:solidFill>
-            <a:srgbClr val="809C33"/>
+            <a:srgbClr val="FFC000"/>
           </a:solidFill>
         </p:spPr>
         <p:style>
@@ -7327,6 +8535,427 @@
   <p:cSld>
     <p:spTree>
       <p:nvGrpSpPr>
+        <p:cNvPr id="1" name="Shape 60"/>
+        <p:cNvGrpSpPr/>
+        <p:nvPr/>
+      </p:nvGrpSpPr>
+      <p:grpSpPr>
+        <a:xfrm>
+          <a:off x="0" y="0"/>
+          <a:ext cx="0" cy="0"/>
+          <a:chOff x="0" y="0"/>
+          <a:chExt cx="0" cy="0"/>
+        </a:xfrm>
+      </p:grpSpPr>
+      <p:sp>
+        <p:nvSpPr>
+          <p:cNvPr id="4" name="Title 3">
+            <a:extLst>
+              <a:ext uri="{FF2B5EF4-FFF2-40B4-BE49-F238E27FC236}">
+                <a16:creationId xmlns:a16="http://schemas.microsoft.com/office/drawing/2014/main" id="{0AC8B3A3-9E7B-4E22-9895-A1C6CA9A1C29}"/>
+              </a:ext>
+            </a:extLst>
+          </p:cNvPr>
+          <p:cNvSpPr>
+            <a:spLocks noGrp="1"/>
+          </p:cNvSpPr>
+          <p:nvPr>
+            <p:ph type="title"/>
+          </p:nvPr>
+        </p:nvSpPr>
+        <p:spPr>
+          <a:xfrm>
+            <a:off x="311700" y="445025"/>
+            <a:ext cx="8520600" cy="572700"/>
+          </a:xfrm>
+        </p:spPr>
+        <p:txBody>
+          <a:bodyPr/>
+          <a:lstStyle/>
+          <a:p>
+            <a:pPr algn="ctr"/>
+            <a:r>
+              <a:rPr lang="en-US" sz="3200" dirty="0"/>
+              <a:t>First effort… where to begin?</a:t>
+            </a:r>
+          </a:p>
+        </p:txBody>
+      </p:sp>
+      <p:pic>
+        <p:nvPicPr>
+          <p:cNvPr id="5" name="Picture 2" descr="Image result for lstm NN diagram">
+            <a:extLst>
+              <a:ext uri="{FF2B5EF4-FFF2-40B4-BE49-F238E27FC236}">
+                <a16:creationId xmlns:a16="http://schemas.microsoft.com/office/drawing/2014/main" id="{2D1A4E62-CEAD-4774-AD6B-405A9E420475}"/>
+              </a:ext>
+            </a:extLst>
+          </p:cNvPr>
+          <p:cNvPicPr>
+            <a:picLocks noChangeAspect="1" noChangeArrowheads="1"/>
+          </p:cNvPicPr>
+          <p:nvPr/>
+        </p:nvPicPr>
+        <p:blipFill>
+          <a:blip r:embed="rId3">
+            <a:extLst>
+              <a:ext uri="{28A0092B-C50C-407E-A947-70E740481C1C}">
+                <a14:useLocalDpi xmlns:a14="http://schemas.microsoft.com/office/drawing/2010/main" val="0"/>
+              </a:ext>
+            </a:extLst>
+          </a:blip>
+          <a:stretch>
+            <a:fillRect/>
+          </a:stretch>
+        </p:blipFill>
+        <p:spPr bwMode="auto">
+          <a:xfrm>
+            <a:off x="1317661" y="2943654"/>
+            <a:ext cx="2356872" cy="1647584"/>
+          </a:xfrm>
+          <a:prstGeom prst="rect">
+            <a:avLst/>
+          </a:prstGeom>
+          <a:noFill/>
+          <a:extLst>
+            <a:ext uri="{909E8E84-426E-40DD-AFC4-6F175D3DCCD1}">
+              <a14:hiddenFill xmlns:a14="http://schemas.microsoft.com/office/drawing/2010/main">
+                <a:solidFill>
+                  <a:srgbClr val="FFFFFF"/>
+                </a:solidFill>
+              </a14:hiddenFill>
+            </a:ext>
+          </a:extLst>
+        </p:spPr>
+      </p:pic>
+      <p:pic>
+        <p:nvPicPr>
+          <p:cNvPr id="12" name="Picture 2">
+            <a:extLst>
+              <a:ext uri="{FF2B5EF4-FFF2-40B4-BE49-F238E27FC236}">
+                <a16:creationId xmlns:a16="http://schemas.microsoft.com/office/drawing/2014/main" id="{6737AD31-52F2-4883-BF56-721B37EE30CB}"/>
+              </a:ext>
+            </a:extLst>
+          </p:cNvPr>
+          <p:cNvPicPr>
+            <a:picLocks noChangeAspect="1" noChangeArrowheads="1"/>
+          </p:cNvPicPr>
+          <p:nvPr/>
+        </p:nvPicPr>
+        <p:blipFill>
+          <a:blip r:embed="rId4">
+            <a:extLst>
+              <a:ext uri="{28A0092B-C50C-407E-A947-70E740481C1C}">
+                <a14:useLocalDpi xmlns:a14="http://schemas.microsoft.com/office/drawing/2010/main" val="0"/>
+              </a:ext>
+            </a:extLst>
+          </a:blip>
+          <a:stretch>
+            <a:fillRect/>
+          </a:stretch>
+        </p:blipFill>
+        <p:spPr bwMode="auto">
+          <a:xfrm>
+            <a:off x="1328949" y="1628582"/>
+            <a:ext cx="2301678" cy="1196873"/>
+          </a:xfrm>
+          <a:prstGeom prst="rect">
+            <a:avLst/>
+          </a:prstGeom>
+          <a:noFill/>
+          <a:extLst>
+            <a:ext uri="{909E8E84-426E-40DD-AFC4-6F175D3DCCD1}">
+              <a14:hiddenFill xmlns:a14="http://schemas.microsoft.com/office/drawing/2010/main">
+                <a:solidFill>
+                  <a:srgbClr val="FFFFFF"/>
+                </a:solidFill>
+              </a14:hiddenFill>
+            </a:ext>
+          </a:extLst>
+        </p:spPr>
+      </p:pic>
+      <p:sp>
+        <p:nvSpPr>
+          <p:cNvPr id="6" name="TextBox 5">
+            <a:extLst>
+              <a:ext uri="{FF2B5EF4-FFF2-40B4-BE49-F238E27FC236}">
+                <a16:creationId xmlns:a16="http://schemas.microsoft.com/office/drawing/2014/main" id="{050F4CC2-EB92-48A6-A454-F05DA0645EF1}"/>
+              </a:ext>
+            </a:extLst>
+          </p:cNvPr>
+          <p:cNvSpPr txBox="1"/>
+          <p:nvPr/>
+        </p:nvSpPr>
+        <p:spPr>
+          <a:xfrm>
+            <a:off x="716845" y="1498509"/>
+            <a:ext cx="400110" cy="1445145"/>
+          </a:xfrm>
+          <a:prstGeom prst="rect">
+            <a:avLst/>
+          </a:prstGeom>
+          <a:noFill/>
+        </p:spPr>
+        <p:txBody>
+          <a:bodyPr vert="vert270" wrap="square" rtlCol="0">
+            <a:spAutoFit/>
+          </a:bodyPr>
+          <a:lstStyle/>
+          <a:p>
+            <a:pPr algn="ctr"/>
+            <a:r>
+              <a:rPr lang="en-US" sz="1400" dirty="0">
+                <a:solidFill>
+                  <a:srgbClr val="002060"/>
+                </a:solidFill>
+                <a:latin typeface="+mj-lt"/>
+              </a:rPr>
+              <a:t>Naïve Approach</a:t>
+            </a:r>
+          </a:p>
+        </p:txBody>
+      </p:sp>
+      <p:sp>
+        <p:nvSpPr>
+          <p:cNvPr id="21" name="TextBox 20">
+            <a:extLst>
+              <a:ext uri="{FF2B5EF4-FFF2-40B4-BE49-F238E27FC236}">
+                <a16:creationId xmlns:a16="http://schemas.microsoft.com/office/drawing/2014/main" id="{2CF87DA6-5E99-4EFB-94E6-EA4769AE5479}"/>
+              </a:ext>
+            </a:extLst>
+          </p:cNvPr>
+          <p:cNvSpPr txBox="1"/>
+          <p:nvPr/>
+        </p:nvSpPr>
+        <p:spPr>
+          <a:xfrm>
+            <a:off x="716845" y="3044873"/>
+            <a:ext cx="400110" cy="1445145"/>
+          </a:xfrm>
+          <a:prstGeom prst="rect">
+            <a:avLst/>
+          </a:prstGeom>
+          <a:noFill/>
+        </p:spPr>
+        <p:txBody>
+          <a:bodyPr vert="vert270" wrap="square" rtlCol="0">
+            <a:spAutoFit/>
+          </a:bodyPr>
+          <a:lstStyle/>
+          <a:p>
+            <a:pPr algn="ctr"/>
+            <a:r>
+              <a:rPr lang="en-US" sz="1400" dirty="0">
+                <a:solidFill>
+                  <a:srgbClr val="002060"/>
+                </a:solidFill>
+                <a:latin typeface="+mj-lt"/>
+              </a:rPr>
+              <a:t>Neural Network</a:t>
+            </a:r>
+          </a:p>
+        </p:txBody>
+      </p:sp>
+      <p:sp>
+        <p:nvSpPr>
+          <p:cNvPr id="22" name="TextBox 21">
+            <a:extLst>
+              <a:ext uri="{FF2B5EF4-FFF2-40B4-BE49-F238E27FC236}">
+                <a16:creationId xmlns:a16="http://schemas.microsoft.com/office/drawing/2014/main" id="{68E958B0-86A8-463D-9E58-B3AF51C7A445}"/>
+              </a:ext>
+            </a:extLst>
+          </p:cNvPr>
+          <p:cNvSpPr txBox="1"/>
+          <p:nvPr/>
+        </p:nvSpPr>
+        <p:spPr>
+          <a:xfrm>
+            <a:off x="4651023" y="1498509"/>
+            <a:ext cx="400110" cy="1445145"/>
+          </a:xfrm>
+          <a:prstGeom prst="rect">
+            <a:avLst/>
+          </a:prstGeom>
+          <a:noFill/>
+        </p:spPr>
+        <p:txBody>
+          <a:bodyPr vert="vert270" wrap="square" rtlCol="0">
+            <a:spAutoFit/>
+          </a:bodyPr>
+          <a:lstStyle/>
+          <a:p>
+            <a:pPr algn="ctr"/>
+            <a:r>
+              <a:rPr lang="en-US" sz="1400" dirty="0">
+                <a:solidFill>
+                  <a:srgbClr val="002060"/>
+                </a:solidFill>
+                <a:latin typeface="+mj-lt"/>
+              </a:rPr>
+              <a:t>Similar</a:t>
+            </a:r>
+          </a:p>
+        </p:txBody>
+      </p:sp>
+      <p:sp>
+        <p:nvSpPr>
+          <p:cNvPr id="23" name="TextBox 22">
+            <a:extLst>
+              <a:ext uri="{FF2B5EF4-FFF2-40B4-BE49-F238E27FC236}">
+                <a16:creationId xmlns:a16="http://schemas.microsoft.com/office/drawing/2014/main" id="{A998AF35-C6B0-4781-994A-2D0BCE20ECC2}"/>
+              </a:ext>
+            </a:extLst>
+          </p:cNvPr>
+          <p:cNvSpPr txBox="1"/>
+          <p:nvPr/>
+        </p:nvSpPr>
+        <p:spPr>
+          <a:xfrm>
+            <a:off x="4651023" y="3044873"/>
+            <a:ext cx="400110" cy="1445145"/>
+          </a:xfrm>
+          <a:prstGeom prst="rect">
+            <a:avLst/>
+          </a:prstGeom>
+          <a:noFill/>
+        </p:spPr>
+        <p:txBody>
+          <a:bodyPr vert="vert270" wrap="square" rtlCol="0">
+            <a:spAutoFit/>
+          </a:bodyPr>
+          <a:lstStyle/>
+          <a:p>
+            <a:pPr algn="ctr"/>
+            <a:r>
+              <a:rPr lang="en-US" sz="1400" dirty="0">
+                <a:solidFill>
+                  <a:srgbClr val="002060"/>
+                </a:solidFill>
+                <a:latin typeface="+mj-lt"/>
+              </a:rPr>
+              <a:t>Different</a:t>
+            </a:r>
+          </a:p>
+        </p:txBody>
+      </p:sp>
+      <p:sp>
+        <p:nvSpPr>
+          <p:cNvPr id="25" name="TextBox 24">
+            <a:extLst>
+              <a:ext uri="{FF2B5EF4-FFF2-40B4-BE49-F238E27FC236}">
+                <a16:creationId xmlns:a16="http://schemas.microsoft.com/office/drawing/2014/main" id="{268872A6-2867-414D-BEE0-FE1F3CC6593E}"/>
+              </a:ext>
+            </a:extLst>
+          </p:cNvPr>
+          <p:cNvSpPr txBox="1"/>
+          <p:nvPr/>
+        </p:nvSpPr>
+        <p:spPr>
+          <a:xfrm>
+            <a:off x="5434956" y="1320805"/>
+            <a:ext cx="2235844" cy="307777"/>
+          </a:xfrm>
+          <a:prstGeom prst="rect">
+            <a:avLst/>
+          </a:prstGeom>
+          <a:noFill/>
+        </p:spPr>
+        <p:txBody>
+          <a:bodyPr vert="horz" wrap="square" rtlCol="0">
+            <a:spAutoFit/>
+          </a:bodyPr>
+          <a:lstStyle/>
+          <a:p>
+            <a:pPr algn="ctr"/>
+            <a:r>
+              <a:rPr lang="en-US" sz="1400" dirty="0">
+                <a:solidFill>
+                  <a:srgbClr val="002060"/>
+                </a:solidFill>
+                <a:latin typeface="+mj-lt"/>
+              </a:rPr>
+              <a:t>Investment behavior</a:t>
+            </a:r>
+          </a:p>
+        </p:txBody>
+      </p:sp>
+      <p:pic>
+        <p:nvPicPr>
+          <p:cNvPr id="8" name="Picture 7">
+            <a:extLst>
+              <a:ext uri="{FF2B5EF4-FFF2-40B4-BE49-F238E27FC236}">
+                <a16:creationId xmlns:a16="http://schemas.microsoft.com/office/drawing/2014/main" id="{46C2C658-23E7-42E9-B47B-B5EDF2895607}"/>
+              </a:ext>
+            </a:extLst>
+          </p:cNvPr>
+          <p:cNvPicPr>
+            <a:picLocks noChangeAspect="1"/>
+          </p:cNvPicPr>
+          <p:nvPr/>
+        </p:nvPicPr>
+        <p:blipFill>
+          <a:blip r:embed="rId5"/>
+          <a:stretch>
+            <a:fillRect/>
+          </a:stretch>
+        </p:blipFill>
+        <p:spPr>
+          <a:xfrm>
+            <a:off x="5205158" y="1597343"/>
+            <a:ext cx="3047019" cy="1346311"/>
+          </a:xfrm>
+          <a:prstGeom prst="rect">
+            <a:avLst/>
+          </a:prstGeom>
+        </p:spPr>
+      </p:pic>
+      <p:pic>
+        <p:nvPicPr>
+          <p:cNvPr id="9" name="Picture 8">
+            <a:extLst>
+              <a:ext uri="{FF2B5EF4-FFF2-40B4-BE49-F238E27FC236}">
+                <a16:creationId xmlns:a16="http://schemas.microsoft.com/office/drawing/2014/main" id="{D999FDE8-5D4D-4A6F-9C5B-0C90AD00FBB0}"/>
+              </a:ext>
+            </a:extLst>
+          </p:cNvPr>
+          <p:cNvPicPr>
+            <a:picLocks noChangeAspect="1"/>
+          </p:cNvPicPr>
+          <p:nvPr/>
+        </p:nvPicPr>
+        <p:blipFill>
+          <a:blip r:embed="rId6"/>
+          <a:stretch>
+            <a:fillRect/>
+          </a:stretch>
+        </p:blipFill>
+        <p:spPr>
+          <a:xfrm>
+            <a:off x="5244671" y="3176089"/>
+            <a:ext cx="3097820" cy="1307355"/>
+          </a:xfrm>
+          <a:prstGeom prst="rect">
+            <a:avLst/>
+          </a:prstGeom>
+        </p:spPr>
+      </p:pic>
+    </p:spTree>
+    <p:extLst>
+      <p:ext uri="{BB962C8B-B14F-4D97-AF65-F5344CB8AC3E}">
+        <p14:creationId xmlns:p14="http://schemas.microsoft.com/office/powerpoint/2010/main" val="1952582551"/>
+      </p:ext>
+    </p:extLst>
+  </p:cSld>
+  <p:clrMapOvr>
+    <a:masterClrMapping/>
+  </p:clrMapOvr>
+</p:sld>
+</file>
+
+<file path=ppt/slides/slide5.xml><?xml version="1.0" encoding="utf-8"?>
+<p:sld xmlns:a="http://schemas.openxmlformats.org/drawingml/2006/main" xmlns:r="http://schemas.openxmlformats.org/officeDocument/2006/relationships" xmlns:p="http://schemas.openxmlformats.org/presentationml/2006/main">
+  <p:cSld>
+    <p:spTree>
+      <p:nvGrpSpPr>
         <p:cNvPr id="1" name="Shape 77"/>
         <p:cNvGrpSpPr/>
         <p:nvPr/>
@@ -7339,64 +8968,17 @@
           <a:chExt cx="0" cy="0"/>
         </a:xfrm>
       </p:grpSpPr>
-      <p:sp>
-        <p:nvSpPr>
-          <p:cNvPr id="6" name="Google Shape;61;p14">
+      <p:pic>
+        <p:nvPicPr>
+          <p:cNvPr id="10" name="Picture 9">
             <a:extLst>
               <a:ext uri="{FF2B5EF4-FFF2-40B4-BE49-F238E27FC236}">
-                <a16:creationId xmlns:a16="http://schemas.microsoft.com/office/drawing/2014/main" id="{C6065350-6A35-49BD-A0EA-7C57EC8C34F1}"/>
-              </a:ext>
-            </a:extLst>
-          </p:cNvPr>
-          <p:cNvSpPr txBox="1">
-            <a:spLocks noGrp="1"/>
-          </p:cNvSpPr>
-          <p:nvPr>
-            <p:ph type="title"/>
-          </p:nvPr>
-        </p:nvSpPr>
-        <p:spPr>
-          <a:xfrm>
-            <a:off x="311700" y="445025"/>
-            <a:ext cx="8520600" cy="572700"/>
-          </a:xfrm>
-          <a:prstGeom prst="rect">
-            <a:avLst/>
-          </a:prstGeom>
-        </p:spPr>
-        <p:txBody>
-          <a:bodyPr spcFirstLastPara="1" wrap="square" lIns="91425" tIns="91425" rIns="91425" bIns="91425" anchor="t" anchorCtr="0">
-            <a:noAutofit/>
-          </a:bodyPr>
-          <a:lstStyle/>
-          <a:p>
-            <a:pPr marL="0" lvl="0" indent="0" algn="ctr" rtl="0">
-              <a:spcBef>
-                <a:spcPts val="0"/>
-              </a:spcBef>
-              <a:spcAft>
-                <a:spcPts val="0"/>
-              </a:spcAft>
-              <a:buNone/>
-            </a:pPr>
-            <a:r>
-              <a:rPr lang="en-US" sz="3200" dirty="0"/>
-              <a:t>Measuring interrelationships in the data</a:t>
-            </a:r>
-          </a:p>
-        </p:txBody>
-      </p:sp>
-      <p:pic>
-        <p:nvPicPr>
-          <p:cNvPr id="2050" name="Picture 2">
-            <a:extLst>
-              <a:ext uri="{FF2B5EF4-FFF2-40B4-BE49-F238E27FC236}">
-                <a16:creationId xmlns:a16="http://schemas.microsoft.com/office/drawing/2014/main" id="{08A479A3-B103-4B2E-8119-A444DD491AD2}"/>
+                <a16:creationId xmlns:a16="http://schemas.microsoft.com/office/drawing/2014/main" id="{A55A45A6-B1B6-4407-A67E-739F9B08C570}"/>
               </a:ext>
             </a:extLst>
           </p:cNvPr>
           <p:cNvPicPr>
-            <a:picLocks noChangeAspect="1" noChangeArrowheads="1"/>
+            <a:picLocks noChangeAspect="1"/>
           </p:cNvPicPr>
           <p:nvPr/>
         </p:nvPicPr>
@@ -7412,43 +8994,27 @@
                 </a:srgbClr>
               </a:clrTo>
             </a:clrChange>
-            <a:extLst>
-              <a:ext uri="{28A0092B-C50C-407E-A947-70E740481C1C}">
-                <a14:useLocalDpi xmlns:a14="http://schemas.microsoft.com/office/drawing/2010/main" val="0"/>
-              </a:ext>
-            </a:extLst>
           </a:blip>
-          <a:srcRect/>
           <a:stretch>
             <a:fillRect/>
           </a:stretch>
         </p:blipFill>
-        <p:spPr bwMode="auto">
-          <a:xfrm>
-            <a:off x="47995" y="1017725"/>
-            <a:ext cx="7727244" cy="3887770"/>
+        <p:spPr>
+          <a:xfrm>
+            <a:off x="634007" y="1715913"/>
+            <a:ext cx="2356285" cy="1569332"/>
           </a:xfrm>
           <a:prstGeom prst="rect">
             <a:avLst/>
           </a:prstGeom>
-          <a:noFill/>
-          <a:extLst>
-            <a:ext uri="{909E8E84-426E-40DD-AFC4-6F175D3DCCD1}">
-              <a14:hiddenFill xmlns:a14="http://schemas.microsoft.com/office/drawing/2010/main">
-                <a:solidFill>
-                  <a:srgbClr val="FFFFFF"/>
-                </a:solidFill>
-              </a14:hiddenFill>
-            </a:ext>
-          </a:extLst>
         </p:spPr>
       </p:pic>
       <p:pic>
         <p:nvPicPr>
-          <p:cNvPr id="5" name="Picture 4">
+          <p:cNvPr id="3" name="Picture 2">
             <a:extLst>
               <a:ext uri="{FF2B5EF4-FFF2-40B4-BE49-F238E27FC236}">
-                <a16:creationId xmlns:a16="http://schemas.microsoft.com/office/drawing/2014/main" id="{55C71BC8-2C65-4785-AD3F-C80A86158324}"/>
+                <a16:creationId xmlns:a16="http://schemas.microsoft.com/office/drawing/2014/main" id="{8A06B994-2C40-4DEB-9637-28400FD9A0C1}"/>
               </a:ext>
             </a:extLst>
           </p:cNvPr>
@@ -7458,21 +9024,79 @@
           <p:nvPr/>
         </p:nvPicPr>
         <p:blipFill>
-          <a:blip r:embed="rId4"/>
+          <a:blip r:embed="rId4">
+            <a:clrChange>
+              <a:clrFrom>
+                <a:srgbClr val="FFFFFF"/>
+              </a:clrFrom>
+              <a:clrTo>
+                <a:srgbClr val="FFFFFF">
+                  <a:alpha val="0"/>
+                </a:srgbClr>
+              </a:clrTo>
+            </a:clrChange>
+          </a:blip>
           <a:stretch>
             <a:fillRect/>
           </a:stretch>
         </p:blipFill>
         <p:spPr>
           <a:xfrm>
-            <a:off x="6598335" y="1402559"/>
-            <a:ext cx="2233965" cy="1658846"/>
+            <a:off x="2662916" y="963228"/>
+            <a:ext cx="7182860" cy="3990478"/>
           </a:xfrm>
           <a:prstGeom prst="rect">
             <a:avLst/>
           </a:prstGeom>
         </p:spPr>
       </p:pic>
+      <p:sp>
+        <p:nvSpPr>
+          <p:cNvPr id="6" name="Google Shape;61;p14">
+            <a:extLst>
+              <a:ext uri="{FF2B5EF4-FFF2-40B4-BE49-F238E27FC236}">
+                <a16:creationId xmlns:a16="http://schemas.microsoft.com/office/drawing/2014/main" id="{C6065350-6A35-49BD-A0EA-7C57EC8C34F1}"/>
+              </a:ext>
+            </a:extLst>
+          </p:cNvPr>
+          <p:cNvSpPr txBox="1">
+            <a:spLocks noGrp="1"/>
+          </p:cNvSpPr>
+          <p:nvPr>
+            <p:ph type="title"/>
+          </p:nvPr>
+        </p:nvSpPr>
+        <p:spPr>
+          <a:xfrm>
+            <a:off x="311700" y="445025"/>
+            <a:ext cx="8520600" cy="572700"/>
+          </a:xfrm>
+          <a:prstGeom prst="rect">
+            <a:avLst/>
+          </a:prstGeom>
+        </p:spPr>
+        <p:txBody>
+          <a:bodyPr spcFirstLastPara="1" wrap="square" lIns="91425" tIns="91425" rIns="91425" bIns="91425" anchor="t" anchorCtr="0">
+            <a:noAutofit/>
+          </a:bodyPr>
+          <a:lstStyle/>
+          <a:p>
+            <a:pPr marL="0" lvl="0" indent="0" algn="ctr" rtl="0">
+              <a:spcBef>
+                <a:spcPts val="0"/>
+              </a:spcBef>
+              <a:spcAft>
+                <a:spcPts val="0"/>
+              </a:spcAft>
+              <a:buNone/>
+            </a:pPr>
+            <a:r>
+              <a:rPr lang="en-US" sz="3200" dirty="0"/>
+              <a:t>Measuring interrelationships in the data</a:t>
+            </a:r>
+          </a:p>
+        </p:txBody>
+      </p:sp>
       <p:sp>
         <p:nvSpPr>
           <p:cNvPr id="7" name="Rectangle 6">
@@ -7487,8 +9111,8 @@
         </p:nvSpPr>
         <p:spPr>
           <a:xfrm>
-            <a:off x="767443" y="1402559"/>
-            <a:ext cx="1073603" cy="800437"/>
+            <a:off x="3317668" y="1444978"/>
+            <a:ext cx="1193197" cy="752374"/>
           </a:xfrm>
           <a:prstGeom prst="rect">
             <a:avLst/>
@@ -7539,8 +9163,8 @@
         </p:nvSpPr>
         <p:spPr>
           <a:xfrm>
-            <a:off x="6598335" y="1348131"/>
-            <a:ext cx="2233965" cy="1713274"/>
+            <a:off x="634006" y="1727201"/>
+            <a:ext cx="2361931" cy="1574302"/>
           </a:xfrm>
           <a:prstGeom prst="rect">
             <a:avLst/>
@@ -7593,8 +9217,8 @@
         </p:nvCxnSpPr>
         <p:spPr>
           <a:xfrm flipH="1">
-            <a:off x="1841047" y="1348131"/>
-            <a:ext cx="4757288" cy="54428"/>
+            <a:off x="2990292" y="1444978"/>
+            <a:ext cx="327377" cy="270935"/>
           </a:xfrm>
           <a:prstGeom prst="line">
             <a:avLst/>
@@ -7624,519 +9248,6 @@
     <p:extLst>
       <p:ext uri="{BB962C8B-B14F-4D97-AF65-F5344CB8AC3E}">
         <p14:creationId xmlns:p14="http://schemas.microsoft.com/office/powerpoint/2010/main" val="2375425670"/>
-      </p:ext>
-    </p:extLst>
-  </p:cSld>
-  <p:clrMapOvr>
-    <a:masterClrMapping/>
-  </p:clrMapOvr>
-</p:sld>
-</file>
-
-<file path=ppt/slides/slide5.xml><?xml version="1.0" encoding="utf-8"?>
-<p:sld xmlns:a="http://schemas.openxmlformats.org/drawingml/2006/main" xmlns:r="http://schemas.openxmlformats.org/officeDocument/2006/relationships" xmlns:p="http://schemas.openxmlformats.org/presentationml/2006/main">
-  <p:cSld>
-    <p:bg>
-      <p:bgPr>
-        <a:solidFill>
-          <a:schemeClr val="bg1"/>
-        </a:solidFill>
-        <a:effectLst/>
-      </p:bgPr>
-    </p:bg>
-    <p:spTree>
-      <p:nvGrpSpPr>
-        <p:cNvPr id="1" name="Shape 77"/>
-        <p:cNvGrpSpPr/>
-        <p:nvPr/>
-      </p:nvGrpSpPr>
-      <p:grpSpPr>
-        <a:xfrm>
-          <a:off x="0" y="0"/>
-          <a:ext cx="0" cy="0"/>
-          <a:chOff x="0" y="0"/>
-          <a:chExt cx="0" cy="0"/>
-        </a:xfrm>
-      </p:grpSpPr>
-      <p:sp>
-        <p:nvSpPr>
-          <p:cNvPr id="20" name="Rectangle 19">
-            <a:extLst>
-              <a:ext uri="{FF2B5EF4-FFF2-40B4-BE49-F238E27FC236}">
-                <a16:creationId xmlns:a16="http://schemas.microsoft.com/office/drawing/2014/main" id="{4E4490D0-3672-446A-AC12-B4830333BDDD}"/>
-              </a:ext>
-              <a:ext uri="{C183D7F6-B498-43B3-948B-1728B52AA6E4}">
-                <adec:decorative xmlns:adec="http://schemas.microsoft.com/office/drawing/2017/decorative" val="1"/>
-              </a:ext>
-            </a:extLst>
-          </p:cNvPr>
-          <p:cNvSpPr>
-            <a:spLocks noGrp="1" noRot="1" noChangeAspect="1" noMove="1" noResize="1" noEditPoints="1" noAdjustHandles="1" noChangeArrowheads="1" noChangeShapeType="1" noTextEdit="1"/>
-          </p:cNvSpPr>
-          <p:nvPr>
-            <p:extLst>
-              <p:ext uri="{386F3935-93C4-4BCD-93E2-E3B085C9AB24}">
-                <p16:designElem xmlns:p16="http://schemas.microsoft.com/office/powerpoint/2015/main" val="1"/>
-              </p:ext>
-            </p:extLst>
-          </p:nvPr>
-        </p:nvSpPr>
-        <p:spPr>
-          <a:xfrm>
-            <a:off x="2381" y="4800600"/>
-            <a:ext cx="9141619" cy="342900"/>
-          </a:xfrm>
-          <a:prstGeom prst="rect">
-            <a:avLst/>
-          </a:prstGeom>
-          <a:solidFill>
-            <a:schemeClr val="accent2"/>
-          </a:solidFill>
-          <a:ln>
-            <a:noFill/>
-          </a:ln>
-        </p:spPr>
-        <p:style>
-          <a:lnRef idx="2">
-            <a:schemeClr val="accent1">
-              <a:shade val="50000"/>
-            </a:schemeClr>
-          </a:lnRef>
-          <a:fillRef idx="1">
-            <a:schemeClr val="accent1"/>
-          </a:fillRef>
-          <a:effectRef idx="0">
-            <a:schemeClr val="accent1"/>
-          </a:effectRef>
-          <a:fontRef idx="minor">
-            <a:schemeClr val="lt1"/>
-          </a:fontRef>
-        </p:style>
-      </p:sp>
-      <p:sp>
-        <p:nvSpPr>
-          <p:cNvPr id="22" name="Rectangle 21">
-            <a:extLst>
-              <a:ext uri="{FF2B5EF4-FFF2-40B4-BE49-F238E27FC236}">
-                <a16:creationId xmlns:a16="http://schemas.microsoft.com/office/drawing/2014/main" id="{39CB82C2-DF65-4EC1-8280-F201D50F570B}"/>
-              </a:ext>
-              <a:ext uri="{C183D7F6-B498-43B3-948B-1728B52AA6E4}">
-                <adec:decorative xmlns:adec="http://schemas.microsoft.com/office/drawing/2017/decorative" val="1"/>
-              </a:ext>
-            </a:extLst>
-          </p:cNvPr>
-          <p:cNvSpPr>
-            <a:spLocks noGrp="1" noRot="1" noChangeAspect="1" noMove="1" noResize="1" noEditPoints="1" noAdjustHandles="1" noChangeArrowheads="1" noChangeShapeType="1" noTextEdit="1"/>
-          </p:cNvSpPr>
-          <p:nvPr>
-            <p:extLst>
-              <p:ext uri="{386F3935-93C4-4BCD-93E2-E3B085C9AB24}">
-                <p16:designElem xmlns:p16="http://schemas.microsoft.com/office/powerpoint/2015/main" val="1"/>
-              </p:ext>
-            </p:extLst>
-          </p:nvPr>
-        </p:nvSpPr>
-        <p:spPr>
-          <a:xfrm>
-            <a:off x="11" y="4750737"/>
-            <a:ext cx="9141619" cy="48006"/>
-          </a:xfrm>
-          <a:prstGeom prst="rect">
-            <a:avLst/>
-          </a:prstGeom>
-          <a:solidFill>
-            <a:schemeClr val="accent1"/>
-          </a:solidFill>
-          <a:ln>
-            <a:noFill/>
-          </a:ln>
-        </p:spPr>
-        <p:style>
-          <a:lnRef idx="2">
-            <a:schemeClr val="accent1">
-              <a:shade val="50000"/>
-            </a:schemeClr>
-          </a:lnRef>
-          <a:fillRef idx="1">
-            <a:schemeClr val="accent1"/>
-          </a:fillRef>
-          <a:effectRef idx="0">
-            <a:schemeClr val="accent1"/>
-          </a:effectRef>
-          <a:fontRef idx="minor">
-            <a:schemeClr val="lt1"/>
-          </a:fontRef>
-        </p:style>
-      </p:sp>
-      <p:cxnSp>
-        <p:nvCxnSpPr>
-          <p:cNvPr id="24" name="Straight Connector 23">
-            <a:extLst>
-              <a:ext uri="{FF2B5EF4-FFF2-40B4-BE49-F238E27FC236}">
-                <a16:creationId xmlns:a16="http://schemas.microsoft.com/office/drawing/2014/main" id="{7E1D4427-852B-4B37-8E76-0E9F1810BA2A}"/>
-              </a:ext>
-              <a:ext uri="{C183D7F6-B498-43B3-948B-1728B52AA6E4}">
-                <adec:decorative xmlns:adec="http://schemas.microsoft.com/office/drawing/2017/decorative" val="1"/>
-              </a:ext>
-            </a:extLst>
-          </p:cNvPr>
-          <p:cNvCxnSpPr>
-            <a:cxnSpLocks noGrp="1" noRot="1" noChangeAspect="1" noMove="1" noResize="1" noEditPoints="1" noAdjustHandles="1" noChangeArrowheads="1" noChangeShapeType="1"/>
-          </p:cNvCxnSpPr>
-          <p:nvPr>
-            <p:extLst>
-              <p:ext uri="{386F3935-93C4-4BCD-93E2-E3B085C9AB24}">
-                <p16:designElem xmlns:p16="http://schemas.microsoft.com/office/powerpoint/2015/main" val="1"/>
-              </p:ext>
-            </p:extLst>
-          </p:nvPr>
-        </p:nvCxnSpPr>
-        <p:spPr>
-          <a:xfrm>
-            <a:off x="905743" y="3257550"/>
-            <a:ext cx="7406640" cy="0"/>
-          </a:xfrm>
-          <a:prstGeom prst="line">
-            <a:avLst/>
-          </a:prstGeom>
-          <a:ln w="6350">
-            <a:solidFill>
-              <a:schemeClr val="tx1">
-                <a:lumMod val="50000"/>
-                <a:lumOff val="50000"/>
-              </a:schemeClr>
-            </a:solidFill>
-          </a:ln>
-        </p:spPr>
-        <p:style>
-          <a:lnRef idx="1">
-            <a:schemeClr val="accent1"/>
-          </a:lnRef>
-          <a:fillRef idx="0">
-            <a:schemeClr val="accent1"/>
-          </a:fillRef>
-          <a:effectRef idx="0">
-            <a:schemeClr val="accent1"/>
-          </a:effectRef>
-          <a:fontRef idx="minor">
-            <a:schemeClr val="tx1"/>
-          </a:fontRef>
-        </p:style>
-      </p:cxnSp>
-      <p:sp useBgFill="1">
-        <p:nvSpPr>
-          <p:cNvPr id="26" name="Rectangle 25">
-            <a:extLst>
-              <a:ext uri="{FF2B5EF4-FFF2-40B4-BE49-F238E27FC236}">
-                <a16:creationId xmlns:a16="http://schemas.microsoft.com/office/drawing/2014/main" id="{FA4CD5CB-D209-4D70-8CA4-629731C59219}"/>
-              </a:ext>
-              <a:ext uri="{C183D7F6-B498-43B3-948B-1728B52AA6E4}">
-                <adec:decorative xmlns:adec="http://schemas.microsoft.com/office/drawing/2017/decorative" val="1"/>
-              </a:ext>
-            </a:extLst>
-          </p:cNvPr>
-          <p:cNvSpPr>
-            <a:spLocks noGrp="1" noRot="1" noChangeAspect="1" noMove="1" noResize="1" noEditPoints="1" noAdjustHandles="1" noChangeArrowheads="1" noChangeShapeType="1" noTextEdit="1"/>
-          </p:cNvSpPr>
-          <p:nvPr>
-            <p:extLst>
-              <p:ext uri="{386F3935-93C4-4BCD-93E2-E3B085C9AB24}">
-                <p16:designElem xmlns:p16="http://schemas.microsoft.com/office/powerpoint/2015/main" val="1"/>
-              </p:ext>
-            </p:extLst>
-          </p:nvPr>
-        </p:nvSpPr>
-        <p:spPr>
-          <a:xfrm>
-            <a:off x="0" y="0"/>
-            <a:ext cx="9144000" cy="4750737"/>
-          </a:xfrm>
-          <a:prstGeom prst="rect">
-            <a:avLst/>
-          </a:prstGeom>
-          <a:ln>
-            <a:noFill/>
-          </a:ln>
-        </p:spPr>
-        <p:style>
-          <a:lnRef idx="2">
-            <a:schemeClr val="accent1">
-              <a:shade val="50000"/>
-            </a:schemeClr>
-          </a:lnRef>
-          <a:fillRef idx="1">
-            <a:schemeClr val="accent1"/>
-          </a:fillRef>
-          <a:effectRef idx="0">
-            <a:schemeClr val="accent1"/>
-          </a:effectRef>
-          <a:fontRef idx="minor">
-            <a:schemeClr val="lt1"/>
-          </a:fontRef>
-        </p:style>
-        <p:txBody>
-          <a:bodyPr rtlCol="0" anchor="ctr"/>
-          <a:lstStyle/>
-          <a:p>
-            <a:pPr algn="ctr"/>
-            <a:endParaRPr lang="en-US"/>
-          </a:p>
-        </p:txBody>
-      </p:sp>
-      <p:sp>
-        <p:nvSpPr>
-          <p:cNvPr id="6" name="Google Shape;61;p14">
-            <a:extLst>
-              <a:ext uri="{FF2B5EF4-FFF2-40B4-BE49-F238E27FC236}">
-                <a16:creationId xmlns:a16="http://schemas.microsoft.com/office/drawing/2014/main" id="{98838D50-13C7-49BE-8C24-96DE9BE13121}"/>
-              </a:ext>
-            </a:extLst>
-          </p:cNvPr>
-          <p:cNvSpPr txBox="1">
-            <a:spLocks noGrp="1"/>
-          </p:cNvSpPr>
-          <p:nvPr>
-            <p:ph type="title"/>
-          </p:nvPr>
-        </p:nvSpPr>
-        <p:spPr>
-          <a:xfrm>
-            <a:off x="6105832" y="479322"/>
-            <a:ext cx="2551471" cy="2764512"/>
-          </a:xfrm>
-          <a:prstGeom prst="rect">
-            <a:avLst/>
-          </a:prstGeom>
-        </p:spPr>
-        <p:txBody>
-          <a:bodyPr spcFirstLastPara="1" vert="horz" lIns="91440" tIns="45720" rIns="91440" bIns="45720" rtlCol="0" anchor="b" anchorCtr="0">
-            <a:normAutofit/>
-          </a:bodyPr>
-          <a:lstStyle/>
-          <a:p>
-            <a:pPr marL="0" lvl="0" indent="0" defTabSz="914400">
-              <a:spcBef>
-                <a:spcPct val="0"/>
-              </a:spcBef>
-              <a:spcAft>
-                <a:spcPts val="0"/>
-              </a:spcAft>
-            </a:pPr>
-            <a:r>
-              <a:rPr lang="en-US" sz="4600" kern="1200" spc="-50" baseline="0">
-                <a:solidFill>
-                  <a:schemeClr val="tx1">
-                    <a:lumMod val="85000"/>
-                    <a:lumOff val="15000"/>
-                  </a:schemeClr>
-                </a:solidFill>
-                <a:latin typeface="+mj-lt"/>
-                <a:ea typeface="+mj-ea"/>
-                <a:cs typeface="+mj-cs"/>
-              </a:rPr>
-              <a:t>Exploring the efficient frontier</a:t>
-            </a:r>
-          </a:p>
-        </p:txBody>
-      </p:sp>
-      <p:pic>
-        <p:nvPicPr>
-          <p:cNvPr id="3" name="Picture 2">
-            <a:extLst>
-              <a:ext uri="{FF2B5EF4-FFF2-40B4-BE49-F238E27FC236}">
-                <a16:creationId xmlns:a16="http://schemas.microsoft.com/office/drawing/2014/main" id="{CAEA19BD-0F9F-42B4-8709-66D73E18719F}"/>
-              </a:ext>
-            </a:extLst>
-          </p:cNvPr>
-          <p:cNvPicPr>
-            <a:picLocks noChangeAspect="1"/>
-          </p:cNvPicPr>
-          <p:nvPr/>
-        </p:nvPicPr>
-        <p:blipFill>
-          <a:blip r:embed="rId3"/>
-          <a:stretch>
-            <a:fillRect/>
-          </a:stretch>
-        </p:blipFill>
-        <p:spPr>
-          <a:xfrm>
-            <a:off x="475499" y="570107"/>
-            <a:ext cx="5665559" cy="3781760"/>
-          </a:xfrm>
-          <a:prstGeom prst="rect">
-            <a:avLst/>
-          </a:prstGeom>
-        </p:spPr>
-      </p:pic>
-      <p:cxnSp>
-        <p:nvCxnSpPr>
-          <p:cNvPr id="28" name="Straight Connector 27">
-            <a:extLst>
-              <a:ext uri="{FF2B5EF4-FFF2-40B4-BE49-F238E27FC236}">
-                <a16:creationId xmlns:a16="http://schemas.microsoft.com/office/drawing/2014/main" id="{5C6A2BAE-B461-4B55-8E1F-0722ABDD1393}"/>
-              </a:ext>
-              <a:ext uri="{C183D7F6-B498-43B3-948B-1728B52AA6E4}">
-                <adec:decorative xmlns:adec="http://schemas.microsoft.com/office/drawing/2017/decorative" val="1"/>
-              </a:ext>
-            </a:extLst>
-          </p:cNvPr>
-          <p:cNvCxnSpPr>
-            <a:cxnSpLocks noGrp="1" noRot="1" noChangeAspect="1" noMove="1" noResize="1" noEditPoints="1" noAdjustHandles="1" noChangeArrowheads="1" noChangeShapeType="1"/>
-          </p:cNvCxnSpPr>
-          <p:nvPr>
-            <p:extLst>
-              <p:ext uri="{386F3935-93C4-4BCD-93E2-E3B085C9AB24}">
-                <p16:designElem xmlns:p16="http://schemas.microsoft.com/office/powerpoint/2015/main" val="1"/>
-              </p:ext>
-            </p:extLst>
-          </p:nvPr>
-        </p:nvCxnSpPr>
-        <p:spPr>
-          <a:xfrm>
-            <a:off x="6156978" y="3257550"/>
-            <a:ext cx="2400300" cy="0"/>
-          </a:xfrm>
-          <a:prstGeom prst="line">
-            <a:avLst/>
-          </a:prstGeom>
-          <a:ln w="6350">
-            <a:solidFill>
-              <a:schemeClr val="tx2">
-                <a:alpha val="90000"/>
-              </a:schemeClr>
-            </a:solidFill>
-          </a:ln>
-        </p:spPr>
-        <p:style>
-          <a:lnRef idx="1">
-            <a:schemeClr val="accent1"/>
-          </a:lnRef>
-          <a:fillRef idx="0">
-            <a:schemeClr val="accent1"/>
-          </a:fillRef>
-          <a:effectRef idx="0">
-            <a:schemeClr val="accent1"/>
-          </a:effectRef>
-          <a:fontRef idx="minor">
-            <a:schemeClr val="tx1"/>
-          </a:fontRef>
-        </p:style>
-      </p:cxnSp>
-      <p:sp>
-        <p:nvSpPr>
-          <p:cNvPr id="30" name="Rectangle 29">
-            <a:extLst>
-              <a:ext uri="{FF2B5EF4-FFF2-40B4-BE49-F238E27FC236}">
-                <a16:creationId xmlns:a16="http://schemas.microsoft.com/office/drawing/2014/main" id="{B4C27B90-DF2B-4D00-BA07-18ED774CD2F1}"/>
-              </a:ext>
-              <a:ext uri="{C183D7F6-B498-43B3-948B-1728B52AA6E4}">
-                <adec:decorative xmlns:adec="http://schemas.microsoft.com/office/drawing/2017/decorative" val="1"/>
-              </a:ext>
-            </a:extLst>
-          </p:cNvPr>
-          <p:cNvSpPr>
-            <a:spLocks noGrp="1" noRot="1" noChangeAspect="1" noMove="1" noResize="1" noEditPoints="1" noAdjustHandles="1" noChangeArrowheads="1" noChangeShapeType="1" noTextEdit="1"/>
-          </p:cNvSpPr>
-          <p:nvPr>
-            <p:extLst>
-              <p:ext uri="{386F3935-93C4-4BCD-93E2-E3B085C9AB24}">
-                <p16:designElem xmlns:p16="http://schemas.microsoft.com/office/powerpoint/2015/main" val="1"/>
-              </p:ext>
-            </p:extLst>
-          </p:nvPr>
-        </p:nvSpPr>
-        <p:spPr>
-          <a:xfrm>
-            <a:off x="11" y="4750737"/>
-            <a:ext cx="9143989" cy="49863"/>
-          </a:xfrm>
-          <a:prstGeom prst="rect">
-            <a:avLst/>
-          </a:prstGeom>
-          <a:solidFill>
-            <a:schemeClr val="accent1"/>
-          </a:solidFill>
-          <a:ln>
-            <a:noFill/>
-          </a:ln>
-        </p:spPr>
-        <p:style>
-          <a:lnRef idx="2">
-            <a:schemeClr val="accent1">
-              <a:shade val="50000"/>
-            </a:schemeClr>
-          </a:lnRef>
-          <a:fillRef idx="1">
-            <a:schemeClr val="accent1"/>
-          </a:fillRef>
-          <a:effectRef idx="0">
-            <a:schemeClr val="accent1"/>
-          </a:effectRef>
-          <a:fontRef idx="minor">
-            <a:schemeClr val="lt1"/>
-          </a:fontRef>
-        </p:style>
-      </p:sp>
-      <p:sp>
-        <p:nvSpPr>
-          <p:cNvPr id="32" name="Rectangle 31">
-            <a:extLst>
-              <a:ext uri="{FF2B5EF4-FFF2-40B4-BE49-F238E27FC236}">
-                <a16:creationId xmlns:a16="http://schemas.microsoft.com/office/drawing/2014/main" id="{593ACC25-C262-417A-8AA9-0641C772BDB6}"/>
-              </a:ext>
-              <a:ext uri="{C183D7F6-B498-43B3-948B-1728B52AA6E4}">
-                <adec:decorative xmlns:adec="http://schemas.microsoft.com/office/drawing/2017/decorative" val="1"/>
-              </a:ext>
-            </a:extLst>
-          </p:cNvPr>
-          <p:cNvSpPr>
-            <a:spLocks noGrp="1" noRot="1" noChangeAspect="1" noMove="1" noResize="1" noEditPoints="1" noAdjustHandles="1" noChangeArrowheads="1" noChangeShapeType="1" noTextEdit="1"/>
-          </p:cNvSpPr>
-          <p:nvPr>
-            <p:extLst>
-              <p:ext uri="{386F3935-93C4-4BCD-93E2-E3B085C9AB24}">
-                <p16:designElem xmlns:p16="http://schemas.microsoft.com/office/powerpoint/2015/main" val="1"/>
-              </p:ext>
-            </p:extLst>
-          </p:nvPr>
-        </p:nvSpPr>
-        <p:spPr>
-          <a:xfrm>
-            <a:off x="0" y="4800600"/>
-            <a:ext cx="9144000" cy="342900"/>
-          </a:xfrm>
-          <a:prstGeom prst="rect">
-            <a:avLst/>
-          </a:prstGeom>
-          <a:solidFill>
-            <a:schemeClr val="accent2"/>
-          </a:solidFill>
-          <a:ln>
-            <a:noFill/>
-          </a:ln>
-        </p:spPr>
-        <p:style>
-          <a:lnRef idx="2">
-            <a:schemeClr val="accent1">
-              <a:shade val="50000"/>
-            </a:schemeClr>
-          </a:lnRef>
-          <a:fillRef idx="1">
-            <a:schemeClr val="accent1"/>
-          </a:fillRef>
-          <a:effectRef idx="0">
-            <a:schemeClr val="accent1"/>
-          </a:effectRef>
-          <a:fontRef idx="minor">
-            <a:schemeClr val="lt1"/>
-          </a:fontRef>
-        </p:style>
-      </p:sp>
-    </p:spTree>
-    <p:extLst>
-      <p:ext uri="{BB962C8B-B14F-4D97-AF65-F5344CB8AC3E}">
-        <p14:creationId xmlns:p14="http://schemas.microsoft.com/office/powerpoint/2010/main" val="4078012685"/>
       </p:ext>
     </p:extLst>
   </p:cSld>
@@ -8173,7 +9284,7 @@
       </p:grpSpPr>
       <p:sp>
         <p:nvSpPr>
-          <p:cNvPr id="20" name="Rectangle 19">
+          <p:cNvPr id="37" name="Rectangle 36">
             <a:extLst>
               <a:ext uri="{FF2B5EF4-FFF2-40B4-BE49-F238E27FC236}">
                 <a16:creationId xmlns:a16="http://schemas.microsoft.com/office/drawing/2014/main" id="{4E4490D0-3672-446A-AC12-B4830333BDDD}"/>
@@ -8228,7 +9339,7 @@
       </p:sp>
       <p:sp>
         <p:nvSpPr>
-          <p:cNvPr id="22" name="Rectangle 21">
+          <p:cNvPr id="39" name="Rectangle 38">
             <a:extLst>
               <a:ext uri="{FF2B5EF4-FFF2-40B4-BE49-F238E27FC236}">
                 <a16:creationId xmlns:a16="http://schemas.microsoft.com/office/drawing/2014/main" id="{39CB82C2-DF65-4EC1-8280-F201D50F570B}"/>
@@ -8283,7 +9394,7 @@
       </p:sp>
       <p:cxnSp>
         <p:nvCxnSpPr>
-          <p:cNvPr id="24" name="Straight Connector 23">
+          <p:cNvPr id="41" name="Straight Connector 40">
             <a:extLst>
               <a:ext uri="{FF2B5EF4-FFF2-40B4-BE49-F238E27FC236}">
                 <a16:creationId xmlns:a16="http://schemas.microsoft.com/office/drawing/2014/main" id="{7E1D4427-852B-4B37-8E76-0E9F1810BA2A}"/>
@@ -8338,7 +9449,7 @@
       </p:cxnSp>
       <p:sp useBgFill="1">
         <p:nvSpPr>
-          <p:cNvPr id="26" name="Rectangle 25">
+          <p:cNvPr id="43" name="Rectangle 42">
             <a:extLst>
               <a:ext uri="{FF2B5EF4-FFF2-40B4-BE49-F238E27FC236}">
                 <a16:creationId xmlns:a16="http://schemas.microsoft.com/office/drawing/2014/main" id="{FA4CD5CB-D209-4D70-8CA4-629731C59219}"/>
@@ -8452,9 +9563,50 @@
           </a:p>
         </p:txBody>
       </p:sp>
+      <p:pic>
+        <p:nvPicPr>
+          <p:cNvPr id="4" name="Picture 3">
+            <a:extLst>
+              <a:ext uri="{FF2B5EF4-FFF2-40B4-BE49-F238E27FC236}">
+                <a16:creationId xmlns:a16="http://schemas.microsoft.com/office/drawing/2014/main" id="{24D8124A-B39C-4804-95C8-DA3379F18958}"/>
+              </a:ext>
+            </a:extLst>
+          </p:cNvPr>
+          <p:cNvPicPr>
+            <a:picLocks noChangeAspect="1"/>
+          </p:cNvPicPr>
+          <p:nvPr/>
+        </p:nvPicPr>
+        <p:blipFill>
+          <a:blip r:embed="rId3">
+            <a:clrChange>
+              <a:clrFrom>
+                <a:srgbClr val="FFFFFF"/>
+              </a:clrFrom>
+              <a:clrTo>
+                <a:srgbClr val="FFFFFF">
+                  <a:alpha val="0"/>
+                </a:srgbClr>
+              </a:clrTo>
+            </a:clrChange>
+          </a:blip>
+          <a:stretch>
+            <a:fillRect/>
+          </a:stretch>
+        </p:blipFill>
+        <p:spPr>
+          <a:xfrm>
+            <a:off x="264114" y="458164"/>
+            <a:ext cx="5841718" cy="3899346"/>
+          </a:xfrm>
+          <a:prstGeom prst="rect">
+            <a:avLst/>
+          </a:prstGeom>
+        </p:spPr>
+      </p:pic>
       <p:cxnSp>
         <p:nvCxnSpPr>
-          <p:cNvPr id="28" name="Straight Connector 27">
+          <p:cNvPr id="45" name="Straight Connector 44">
             <a:extLst>
               <a:ext uri="{FF2B5EF4-FFF2-40B4-BE49-F238E27FC236}">
                 <a16:creationId xmlns:a16="http://schemas.microsoft.com/office/drawing/2014/main" id="{5C6A2BAE-B461-4B55-8E1F-0722ABDD1393}"/>
@@ -8508,7 +9660,7 @@
       </p:cxnSp>
       <p:sp>
         <p:nvSpPr>
-          <p:cNvPr id="30" name="Rectangle 29">
+          <p:cNvPr id="47" name="Rectangle 46">
             <a:extLst>
               <a:ext uri="{FF2B5EF4-FFF2-40B4-BE49-F238E27FC236}">
                 <a16:creationId xmlns:a16="http://schemas.microsoft.com/office/drawing/2014/main" id="{B4C27B90-DF2B-4D00-BA07-18ED774CD2F1}"/>
@@ -8563,7 +9715,7 @@
       </p:sp>
       <p:sp>
         <p:nvSpPr>
-          <p:cNvPr id="32" name="Rectangle 31">
+          <p:cNvPr id="49" name="Rectangle 48">
             <a:extLst>
               <a:ext uri="{FF2B5EF4-FFF2-40B4-BE49-F238E27FC236}">
                 <a16:creationId xmlns:a16="http://schemas.microsoft.com/office/drawing/2014/main" id="{593ACC25-C262-417A-8AA9-0641C772BDB6}"/>
@@ -8616,40 +9768,10 @@
           </a:fontRef>
         </p:style>
       </p:sp>
-      <p:pic>
-        <p:nvPicPr>
-          <p:cNvPr id="9" name="Picture 8">
-            <a:extLst>
-              <a:ext uri="{FF2B5EF4-FFF2-40B4-BE49-F238E27FC236}">
-                <a16:creationId xmlns:a16="http://schemas.microsoft.com/office/drawing/2014/main" id="{427D8721-C160-4090-BED0-B2D30C5E59CF}"/>
-              </a:ext>
-            </a:extLst>
-          </p:cNvPr>
-          <p:cNvPicPr>
-            <a:picLocks noChangeAspect="1"/>
-          </p:cNvPicPr>
-          <p:nvPr/>
-        </p:nvPicPr>
-        <p:blipFill>
-          <a:blip r:embed="rId3"/>
-          <a:stretch>
-            <a:fillRect/>
-          </a:stretch>
-        </p:blipFill>
-        <p:spPr>
-          <a:xfrm>
-            <a:off x="309091" y="479322"/>
-            <a:ext cx="5487650" cy="3658433"/>
-          </a:xfrm>
-          <a:prstGeom prst="rect">
-            <a:avLst/>
-          </a:prstGeom>
-        </p:spPr>
-      </p:pic>
     </p:spTree>
     <p:extLst>
       <p:ext uri="{BB962C8B-B14F-4D97-AF65-F5344CB8AC3E}">
-        <p14:creationId xmlns:p14="http://schemas.microsoft.com/office/powerpoint/2010/main" val="3188036779"/>
+        <p14:creationId xmlns:p14="http://schemas.microsoft.com/office/powerpoint/2010/main" val="4078012685"/>
       </p:ext>
     </p:extLst>
   </p:cSld>
@@ -8662,9 +9784,17 @@
 <file path=ppt/slides/slide7.xml><?xml version="1.0" encoding="utf-8"?>
 <p:sld xmlns:a="http://schemas.openxmlformats.org/drawingml/2006/main" xmlns:r="http://schemas.openxmlformats.org/officeDocument/2006/relationships" xmlns:p="http://schemas.openxmlformats.org/presentationml/2006/main">
   <p:cSld>
+    <p:bg>
+      <p:bgPr>
+        <a:solidFill>
+          <a:schemeClr val="bg1"/>
+        </a:solidFill>
+        <a:effectLst/>
+      </p:bgPr>
+    </p:bg>
     <p:spTree>
       <p:nvGrpSpPr>
-        <p:cNvPr id="1" name=""/>
+        <p:cNvPr id="1" name="Shape 77"/>
         <p:cNvGrpSpPr/>
         <p:nvPr/>
       </p:nvGrpSpPr>
@@ -8678,14 +9808,239 @@
       </p:grpSpPr>
       <p:sp>
         <p:nvSpPr>
-          <p:cNvPr id="2" name="Title 1">
+          <p:cNvPr id="37" name="Rectangle 36">
             <a:extLst>
               <a:ext uri="{FF2B5EF4-FFF2-40B4-BE49-F238E27FC236}">
-                <a16:creationId xmlns:a16="http://schemas.microsoft.com/office/drawing/2014/main" id="{A6F9D989-8F9E-4D74-B61A-E4B0882AE6B4}"/>
+                <a16:creationId xmlns:a16="http://schemas.microsoft.com/office/drawing/2014/main" id="{4E4490D0-3672-446A-AC12-B4830333BDDD}"/>
+              </a:ext>
+              <a:ext uri="{C183D7F6-B498-43B3-948B-1728B52AA6E4}">
+                <adec:decorative xmlns:adec="http://schemas.microsoft.com/office/drawing/2017/decorative" val="1"/>
               </a:ext>
             </a:extLst>
           </p:cNvPr>
           <p:cNvSpPr>
+            <a:spLocks noGrp="1" noRot="1" noChangeAspect="1" noMove="1" noResize="1" noEditPoints="1" noAdjustHandles="1" noChangeArrowheads="1" noChangeShapeType="1" noTextEdit="1"/>
+          </p:cNvSpPr>
+          <p:nvPr>
+            <p:extLst>
+              <p:ext uri="{386F3935-93C4-4BCD-93E2-E3B085C9AB24}">
+                <p16:designElem xmlns:p16="http://schemas.microsoft.com/office/powerpoint/2015/main" val="1"/>
+              </p:ext>
+            </p:extLst>
+          </p:nvPr>
+        </p:nvSpPr>
+        <p:spPr>
+          <a:xfrm>
+            <a:off x="2381" y="4800600"/>
+            <a:ext cx="9141619" cy="342900"/>
+          </a:xfrm>
+          <a:prstGeom prst="rect">
+            <a:avLst/>
+          </a:prstGeom>
+          <a:solidFill>
+            <a:schemeClr val="accent2"/>
+          </a:solidFill>
+          <a:ln>
+            <a:noFill/>
+          </a:ln>
+        </p:spPr>
+        <p:style>
+          <a:lnRef idx="2">
+            <a:schemeClr val="accent1">
+              <a:shade val="50000"/>
+            </a:schemeClr>
+          </a:lnRef>
+          <a:fillRef idx="1">
+            <a:schemeClr val="accent1"/>
+          </a:fillRef>
+          <a:effectRef idx="0">
+            <a:schemeClr val="accent1"/>
+          </a:effectRef>
+          <a:fontRef idx="minor">
+            <a:schemeClr val="lt1"/>
+          </a:fontRef>
+        </p:style>
+      </p:sp>
+      <p:sp>
+        <p:nvSpPr>
+          <p:cNvPr id="39" name="Rectangle 38">
+            <a:extLst>
+              <a:ext uri="{FF2B5EF4-FFF2-40B4-BE49-F238E27FC236}">
+                <a16:creationId xmlns:a16="http://schemas.microsoft.com/office/drawing/2014/main" id="{39CB82C2-DF65-4EC1-8280-F201D50F570B}"/>
+              </a:ext>
+              <a:ext uri="{C183D7F6-B498-43B3-948B-1728B52AA6E4}">
+                <adec:decorative xmlns:adec="http://schemas.microsoft.com/office/drawing/2017/decorative" val="1"/>
+              </a:ext>
+            </a:extLst>
+          </p:cNvPr>
+          <p:cNvSpPr>
+            <a:spLocks noGrp="1" noRot="1" noChangeAspect="1" noMove="1" noResize="1" noEditPoints="1" noAdjustHandles="1" noChangeArrowheads="1" noChangeShapeType="1" noTextEdit="1"/>
+          </p:cNvSpPr>
+          <p:nvPr>
+            <p:extLst>
+              <p:ext uri="{386F3935-93C4-4BCD-93E2-E3B085C9AB24}">
+                <p16:designElem xmlns:p16="http://schemas.microsoft.com/office/powerpoint/2015/main" val="1"/>
+              </p:ext>
+            </p:extLst>
+          </p:nvPr>
+        </p:nvSpPr>
+        <p:spPr>
+          <a:xfrm>
+            <a:off x="11" y="4750737"/>
+            <a:ext cx="9141619" cy="48006"/>
+          </a:xfrm>
+          <a:prstGeom prst="rect">
+            <a:avLst/>
+          </a:prstGeom>
+          <a:solidFill>
+            <a:schemeClr val="accent1"/>
+          </a:solidFill>
+          <a:ln>
+            <a:noFill/>
+          </a:ln>
+        </p:spPr>
+        <p:style>
+          <a:lnRef idx="2">
+            <a:schemeClr val="accent1">
+              <a:shade val="50000"/>
+            </a:schemeClr>
+          </a:lnRef>
+          <a:fillRef idx="1">
+            <a:schemeClr val="accent1"/>
+          </a:fillRef>
+          <a:effectRef idx="0">
+            <a:schemeClr val="accent1"/>
+          </a:effectRef>
+          <a:fontRef idx="minor">
+            <a:schemeClr val="lt1"/>
+          </a:fontRef>
+        </p:style>
+      </p:sp>
+      <p:cxnSp>
+        <p:nvCxnSpPr>
+          <p:cNvPr id="41" name="Straight Connector 40">
+            <a:extLst>
+              <a:ext uri="{FF2B5EF4-FFF2-40B4-BE49-F238E27FC236}">
+                <a16:creationId xmlns:a16="http://schemas.microsoft.com/office/drawing/2014/main" id="{7E1D4427-852B-4B37-8E76-0E9F1810BA2A}"/>
+              </a:ext>
+              <a:ext uri="{C183D7F6-B498-43B3-948B-1728B52AA6E4}">
+                <adec:decorative xmlns:adec="http://schemas.microsoft.com/office/drawing/2017/decorative" val="1"/>
+              </a:ext>
+            </a:extLst>
+          </p:cNvPr>
+          <p:cNvCxnSpPr>
+            <a:cxnSpLocks noGrp="1" noRot="1" noChangeAspect="1" noMove="1" noResize="1" noEditPoints="1" noAdjustHandles="1" noChangeArrowheads="1" noChangeShapeType="1"/>
+          </p:cNvCxnSpPr>
+          <p:nvPr>
+            <p:extLst>
+              <p:ext uri="{386F3935-93C4-4BCD-93E2-E3B085C9AB24}">
+                <p16:designElem xmlns:p16="http://schemas.microsoft.com/office/powerpoint/2015/main" val="1"/>
+              </p:ext>
+            </p:extLst>
+          </p:nvPr>
+        </p:nvCxnSpPr>
+        <p:spPr>
+          <a:xfrm>
+            <a:off x="905743" y="3257550"/>
+            <a:ext cx="7406640" cy="0"/>
+          </a:xfrm>
+          <a:prstGeom prst="line">
+            <a:avLst/>
+          </a:prstGeom>
+          <a:ln w="6350">
+            <a:solidFill>
+              <a:schemeClr val="tx1">
+                <a:lumMod val="50000"/>
+                <a:lumOff val="50000"/>
+              </a:schemeClr>
+            </a:solidFill>
+          </a:ln>
+        </p:spPr>
+        <p:style>
+          <a:lnRef idx="1">
+            <a:schemeClr val="accent1"/>
+          </a:lnRef>
+          <a:fillRef idx="0">
+            <a:schemeClr val="accent1"/>
+          </a:fillRef>
+          <a:effectRef idx="0">
+            <a:schemeClr val="accent1"/>
+          </a:effectRef>
+          <a:fontRef idx="minor">
+            <a:schemeClr val="tx1"/>
+          </a:fontRef>
+        </p:style>
+      </p:cxnSp>
+      <p:sp useBgFill="1">
+        <p:nvSpPr>
+          <p:cNvPr id="43" name="Rectangle 42">
+            <a:extLst>
+              <a:ext uri="{FF2B5EF4-FFF2-40B4-BE49-F238E27FC236}">
+                <a16:creationId xmlns:a16="http://schemas.microsoft.com/office/drawing/2014/main" id="{FA4CD5CB-D209-4D70-8CA4-629731C59219}"/>
+              </a:ext>
+              <a:ext uri="{C183D7F6-B498-43B3-948B-1728B52AA6E4}">
+                <adec:decorative xmlns:adec="http://schemas.microsoft.com/office/drawing/2017/decorative" val="1"/>
+              </a:ext>
+            </a:extLst>
+          </p:cNvPr>
+          <p:cNvSpPr>
+            <a:spLocks noGrp="1" noRot="1" noChangeAspect="1" noMove="1" noResize="1" noEditPoints="1" noAdjustHandles="1" noChangeArrowheads="1" noChangeShapeType="1" noTextEdit="1"/>
+          </p:cNvSpPr>
+          <p:nvPr>
+            <p:extLst>
+              <p:ext uri="{386F3935-93C4-4BCD-93E2-E3B085C9AB24}">
+                <p16:designElem xmlns:p16="http://schemas.microsoft.com/office/powerpoint/2015/main" val="1"/>
+              </p:ext>
+            </p:extLst>
+          </p:nvPr>
+        </p:nvSpPr>
+        <p:spPr>
+          <a:xfrm>
+            <a:off x="0" y="0"/>
+            <a:ext cx="9144000" cy="4750737"/>
+          </a:xfrm>
+          <a:prstGeom prst="rect">
+            <a:avLst/>
+          </a:prstGeom>
+          <a:ln>
+            <a:noFill/>
+          </a:ln>
+        </p:spPr>
+        <p:style>
+          <a:lnRef idx="2">
+            <a:schemeClr val="accent1">
+              <a:shade val="50000"/>
+            </a:schemeClr>
+          </a:lnRef>
+          <a:fillRef idx="1">
+            <a:schemeClr val="accent1"/>
+          </a:fillRef>
+          <a:effectRef idx="0">
+            <a:schemeClr val="accent1"/>
+          </a:effectRef>
+          <a:fontRef idx="minor">
+            <a:schemeClr val="lt1"/>
+          </a:fontRef>
+        </p:style>
+        <p:txBody>
+          <a:bodyPr rtlCol="0" anchor="ctr"/>
+          <a:lstStyle/>
+          <a:p>
+            <a:pPr algn="ctr"/>
+            <a:endParaRPr lang="en-US"/>
+          </a:p>
+        </p:txBody>
+      </p:sp>
+      <p:sp>
+        <p:nvSpPr>
+          <p:cNvPr id="6" name="Google Shape;61;p14">
+            <a:extLst>
+              <a:ext uri="{FF2B5EF4-FFF2-40B4-BE49-F238E27FC236}">
+                <a16:creationId xmlns:a16="http://schemas.microsoft.com/office/drawing/2014/main" id="{98838D50-13C7-49BE-8C24-96DE9BE13121}"/>
+              </a:ext>
+            </a:extLst>
+          </p:cNvPr>
+          <p:cNvSpPr txBox="1">
             <a:spLocks noGrp="1"/>
           </p:cNvSpPr>
           <p:nvPr>
@@ -8694,73 +10049,295 @@
         </p:nvSpPr>
         <p:spPr>
           <a:xfrm>
-            <a:off x="311700" y="445025"/>
-            <a:ext cx="8520600" cy="572700"/>
-          </a:xfrm>
-        </p:spPr>
-        <p:txBody>
-          <a:bodyPr/>
+            <a:off x="6105832" y="479322"/>
+            <a:ext cx="2551471" cy="2764512"/>
+          </a:xfrm>
+          <a:prstGeom prst="rect">
+            <a:avLst/>
+          </a:prstGeom>
+        </p:spPr>
+        <p:txBody>
+          <a:bodyPr spcFirstLastPara="1" vert="horz" lIns="91440" tIns="45720" rIns="91440" bIns="45720" rtlCol="0" anchor="b" anchorCtr="0">
+            <a:normAutofit/>
+          </a:bodyPr>
           <a:lstStyle/>
           <a:p>
-            <a:pPr algn="ctr"/>
-            <a:r>
-              <a:rPr lang="en-US" dirty="0"/>
-              <a:t>Success!</a:t>
+            <a:pPr marL="0" lvl="0" indent="0" defTabSz="914400">
+              <a:spcBef>
+                <a:spcPct val="0"/>
+              </a:spcBef>
+              <a:spcAft>
+                <a:spcPts val="0"/>
+              </a:spcAft>
+            </a:pPr>
+            <a:r>
+              <a:rPr lang="en-US" sz="4600" kern="1200" spc="-50" baseline="0">
+                <a:solidFill>
+                  <a:schemeClr val="tx1">
+                    <a:lumMod val="85000"/>
+                    <a:lumOff val="15000"/>
+                  </a:schemeClr>
+                </a:solidFill>
+                <a:latin typeface="+mj-lt"/>
+                <a:ea typeface="+mj-ea"/>
+                <a:cs typeface="+mj-cs"/>
+              </a:rPr>
+              <a:t>Exploring the efficient frontier</a:t>
             </a:r>
           </a:p>
         </p:txBody>
       </p:sp>
       <p:pic>
         <p:nvPicPr>
-          <p:cNvPr id="3074" name="Picture 2" descr="Related image">
+          <p:cNvPr id="3" name="Picture 2">
             <a:extLst>
               <a:ext uri="{FF2B5EF4-FFF2-40B4-BE49-F238E27FC236}">
-                <a16:creationId xmlns:a16="http://schemas.microsoft.com/office/drawing/2014/main" id="{E000E608-A473-41A9-A586-FA08C1C3AAD5}"/>
+                <a16:creationId xmlns:a16="http://schemas.microsoft.com/office/drawing/2014/main" id="{898A20A7-C508-4AE3-AC2E-2FB907A1A20A}"/>
               </a:ext>
             </a:extLst>
           </p:cNvPr>
           <p:cNvPicPr>
-            <a:picLocks noChangeAspect="1" noChangeArrowheads="1"/>
+            <a:picLocks noChangeAspect="1"/>
           </p:cNvPicPr>
           <p:nvPr/>
         </p:nvPicPr>
         <p:blipFill>
-          <a:blip r:embed="rId2">
-            <a:extLst>
-              <a:ext uri="{28A0092B-C50C-407E-A947-70E740481C1C}">
-                <a14:useLocalDpi xmlns:a14="http://schemas.microsoft.com/office/drawing/2010/main" val="0"/>
-              </a:ext>
-            </a:extLst>
+          <a:blip r:embed="rId3">
+            <a:clrChange>
+              <a:clrFrom>
+                <a:srgbClr val="FFFFFF"/>
+              </a:clrFrom>
+              <a:clrTo>
+                <a:srgbClr val="FFFFFF">
+                  <a:alpha val="0"/>
+                </a:srgbClr>
+              </a:clrTo>
+            </a:clrChange>
           </a:blip>
-          <a:srcRect/>
           <a:stretch>
             <a:fillRect/>
           </a:stretch>
         </p:blipFill>
-        <p:spPr bwMode="auto">
-          <a:xfrm>
-            <a:off x="1524680" y="1392342"/>
-            <a:ext cx="6094639" cy="3306133"/>
+        <p:spPr>
+          <a:xfrm>
+            <a:off x="156619" y="615243"/>
+            <a:ext cx="5860346" cy="3516208"/>
+          </a:xfrm>
+          <a:prstGeom prst="rect">
+            <a:avLst/>
+          </a:prstGeom>
+        </p:spPr>
+      </p:pic>
+      <p:cxnSp>
+        <p:nvCxnSpPr>
+          <p:cNvPr id="45" name="Straight Connector 44">
+            <a:extLst>
+              <a:ext uri="{FF2B5EF4-FFF2-40B4-BE49-F238E27FC236}">
+                <a16:creationId xmlns:a16="http://schemas.microsoft.com/office/drawing/2014/main" id="{5C6A2BAE-B461-4B55-8E1F-0722ABDD1393}"/>
+              </a:ext>
+              <a:ext uri="{C183D7F6-B498-43B3-948B-1728B52AA6E4}">
+                <adec:decorative xmlns:adec="http://schemas.microsoft.com/office/drawing/2017/decorative" val="1"/>
+              </a:ext>
+            </a:extLst>
+          </p:cNvPr>
+          <p:cNvCxnSpPr>
+            <a:cxnSpLocks noGrp="1" noRot="1" noChangeAspect="1" noMove="1" noResize="1" noEditPoints="1" noAdjustHandles="1" noChangeArrowheads="1" noChangeShapeType="1"/>
+          </p:cNvCxnSpPr>
+          <p:nvPr>
+            <p:extLst>
+              <p:ext uri="{386F3935-93C4-4BCD-93E2-E3B085C9AB24}">
+                <p16:designElem xmlns:p16="http://schemas.microsoft.com/office/powerpoint/2015/main" val="1"/>
+              </p:ext>
+            </p:extLst>
+          </p:nvPr>
+        </p:nvCxnSpPr>
+        <p:spPr>
+          <a:xfrm>
+            <a:off x="6156978" y="3257550"/>
+            <a:ext cx="2400300" cy="0"/>
+          </a:xfrm>
+          <a:prstGeom prst="line">
+            <a:avLst/>
+          </a:prstGeom>
+          <a:ln w="6350">
+            <a:solidFill>
+              <a:schemeClr val="tx2">
+                <a:alpha val="90000"/>
+              </a:schemeClr>
+            </a:solidFill>
+          </a:ln>
+        </p:spPr>
+        <p:style>
+          <a:lnRef idx="1">
+            <a:schemeClr val="accent1"/>
+          </a:lnRef>
+          <a:fillRef idx="0">
+            <a:schemeClr val="accent1"/>
+          </a:fillRef>
+          <a:effectRef idx="0">
+            <a:schemeClr val="accent1"/>
+          </a:effectRef>
+          <a:fontRef idx="minor">
+            <a:schemeClr val="tx1"/>
+          </a:fontRef>
+        </p:style>
+      </p:cxnSp>
+      <p:sp>
+        <p:nvSpPr>
+          <p:cNvPr id="47" name="Rectangle 46">
+            <a:extLst>
+              <a:ext uri="{FF2B5EF4-FFF2-40B4-BE49-F238E27FC236}">
+                <a16:creationId xmlns:a16="http://schemas.microsoft.com/office/drawing/2014/main" id="{B4C27B90-DF2B-4D00-BA07-18ED774CD2F1}"/>
+              </a:ext>
+              <a:ext uri="{C183D7F6-B498-43B3-948B-1728B52AA6E4}">
+                <adec:decorative xmlns:adec="http://schemas.microsoft.com/office/drawing/2017/decorative" val="1"/>
+              </a:ext>
+            </a:extLst>
+          </p:cNvPr>
+          <p:cNvSpPr>
+            <a:spLocks noGrp="1" noRot="1" noChangeAspect="1" noMove="1" noResize="1" noEditPoints="1" noAdjustHandles="1" noChangeArrowheads="1" noChangeShapeType="1" noTextEdit="1"/>
+          </p:cNvSpPr>
+          <p:nvPr>
+            <p:extLst>
+              <p:ext uri="{386F3935-93C4-4BCD-93E2-E3B085C9AB24}">
+                <p16:designElem xmlns:p16="http://schemas.microsoft.com/office/powerpoint/2015/main" val="1"/>
+              </p:ext>
+            </p:extLst>
+          </p:nvPr>
+        </p:nvSpPr>
+        <p:spPr>
+          <a:xfrm>
+            <a:off x="11" y="4750737"/>
+            <a:ext cx="9143989" cy="49863"/>
+          </a:xfrm>
+          <a:prstGeom prst="rect">
+            <a:avLst/>
+          </a:prstGeom>
+          <a:solidFill>
+            <a:schemeClr val="accent1"/>
+          </a:solidFill>
+          <a:ln>
+            <a:noFill/>
+          </a:ln>
+        </p:spPr>
+        <p:style>
+          <a:lnRef idx="2">
+            <a:schemeClr val="accent1">
+              <a:shade val="50000"/>
+            </a:schemeClr>
+          </a:lnRef>
+          <a:fillRef idx="1">
+            <a:schemeClr val="accent1"/>
+          </a:fillRef>
+          <a:effectRef idx="0">
+            <a:schemeClr val="accent1"/>
+          </a:effectRef>
+          <a:fontRef idx="minor">
+            <a:schemeClr val="lt1"/>
+          </a:fontRef>
+        </p:style>
+      </p:sp>
+      <p:sp>
+        <p:nvSpPr>
+          <p:cNvPr id="49" name="Rectangle 48">
+            <a:extLst>
+              <a:ext uri="{FF2B5EF4-FFF2-40B4-BE49-F238E27FC236}">
+                <a16:creationId xmlns:a16="http://schemas.microsoft.com/office/drawing/2014/main" id="{593ACC25-C262-417A-8AA9-0641C772BDB6}"/>
+              </a:ext>
+              <a:ext uri="{C183D7F6-B498-43B3-948B-1728B52AA6E4}">
+                <adec:decorative xmlns:adec="http://schemas.microsoft.com/office/drawing/2017/decorative" val="1"/>
+              </a:ext>
+            </a:extLst>
+          </p:cNvPr>
+          <p:cNvSpPr>
+            <a:spLocks noGrp="1" noRot="1" noChangeAspect="1" noMove="1" noResize="1" noEditPoints="1" noAdjustHandles="1" noChangeArrowheads="1" noChangeShapeType="1" noTextEdit="1"/>
+          </p:cNvSpPr>
+          <p:nvPr>
+            <p:extLst>
+              <p:ext uri="{386F3935-93C4-4BCD-93E2-E3B085C9AB24}">
+                <p16:designElem xmlns:p16="http://schemas.microsoft.com/office/powerpoint/2015/main" val="1"/>
+              </p:ext>
+            </p:extLst>
+          </p:nvPr>
+        </p:nvSpPr>
+        <p:spPr>
+          <a:xfrm>
+            <a:off x="0" y="4800600"/>
+            <a:ext cx="9144000" cy="342900"/>
+          </a:xfrm>
+          <a:prstGeom prst="rect">
+            <a:avLst/>
+          </a:prstGeom>
+          <a:solidFill>
+            <a:schemeClr val="accent2"/>
+          </a:solidFill>
+          <a:ln>
+            <a:noFill/>
+          </a:ln>
+        </p:spPr>
+        <p:style>
+          <a:lnRef idx="2">
+            <a:schemeClr val="accent1">
+              <a:shade val="50000"/>
+            </a:schemeClr>
+          </a:lnRef>
+          <a:fillRef idx="1">
+            <a:schemeClr val="accent1"/>
+          </a:fillRef>
+          <a:effectRef idx="0">
+            <a:schemeClr val="accent1"/>
+          </a:effectRef>
+          <a:fontRef idx="minor">
+            <a:schemeClr val="lt1"/>
+          </a:fontRef>
+        </p:style>
+      </p:sp>
+      <p:sp>
+        <p:nvSpPr>
+          <p:cNvPr id="23" name="TextBox 22">
+            <a:extLst>
+              <a:ext uri="{FF2B5EF4-FFF2-40B4-BE49-F238E27FC236}">
+                <a16:creationId xmlns:a16="http://schemas.microsoft.com/office/drawing/2014/main" id="{B1D7888F-2DC0-44D7-83D5-90BE15644C37}"/>
+              </a:ext>
+            </a:extLst>
+          </p:cNvPr>
+          <p:cNvSpPr txBox="1"/>
+          <p:nvPr/>
+        </p:nvSpPr>
+        <p:spPr>
+          <a:xfrm>
+            <a:off x="987777" y="1118033"/>
+            <a:ext cx="1461912" cy="646331"/>
           </a:xfrm>
           <a:prstGeom prst="rect">
             <a:avLst/>
           </a:prstGeom>
           <a:noFill/>
-          <a:extLst>
-            <a:ext uri="{909E8E84-426E-40DD-AFC4-6F175D3DCCD1}">
-              <a14:hiddenFill xmlns:a14="http://schemas.microsoft.com/office/drawing/2010/main">
+        </p:spPr>
+        <p:txBody>
+          <a:bodyPr wrap="square" rtlCol="0">
+            <a:spAutoFit/>
+          </a:bodyPr>
+          <a:lstStyle/>
+          <a:p>
+            <a:r>
+              <a:rPr lang="en-US" dirty="0">
                 <a:solidFill>
-                  <a:srgbClr val="FFFFFF"/>
+                  <a:schemeClr val="bg2">
+                    <a:lumMod val="25000"/>
+                  </a:schemeClr>
                 </a:solidFill>
-              </a14:hiddenFill>
-            </a:ext>
-          </a:extLst>
-        </p:spPr>
-      </p:pic>
+                <a:latin typeface="+mj-lt"/>
+              </a:rPr>
+              <a:t>Training Performance</a:t>
+            </a:r>
+          </a:p>
+        </p:txBody>
+      </p:sp>
     </p:spTree>
     <p:extLst>
       <p:ext uri="{BB962C8B-B14F-4D97-AF65-F5344CB8AC3E}">
-        <p14:creationId xmlns:p14="http://schemas.microsoft.com/office/powerpoint/2010/main" val="571864323"/>
+        <p14:creationId xmlns:p14="http://schemas.microsoft.com/office/powerpoint/2010/main" val="3188036779"/>
       </p:ext>
     </p:extLst>
   </p:cSld>
@@ -8868,56 +10445,10 @@
           </a:extLst>
         </p:spPr>
       </p:pic>
-      <p:sp>
-        <p:nvSpPr>
-          <p:cNvPr id="3" name="TextBox 2">
-            <a:extLst>
-              <a:ext uri="{FF2B5EF4-FFF2-40B4-BE49-F238E27FC236}">
-                <a16:creationId xmlns:a16="http://schemas.microsoft.com/office/drawing/2014/main" id="{0FB5D5E8-328B-4D7F-8A26-4AA95C3B969C}"/>
-              </a:ext>
-            </a:extLst>
-          </p:cNvPr>
-          <p:cNvSpPr txBox="1"/>
-          <p:nvPr/>
-        </p:nvSpPr>
-        <p:spPr>
-          <a:xfrm rot="20512277">
-            <a:off x="3271318" y="2542270"/>
-            <a:ext cx="2970498" cy="923330"/>
-          </a:xfrm>
-          <a:prstGeom prst="rect">
-            <a:avLst/>
-          </a:prstGeom>
-          <a:noFill/>
-          <a:ln w="57150">
-            <a:solidFill>
-              <a:srgbClr val="C00000"/>
-            </a:solidFill>
-          </a:ln>
-        </p:spPr>
-        <p:txBody>
-          <a:bodyPr wrap="square" rtlCol="0">
-            <a:spAutoFit/>
-          </a:bodyPr>
-          <a:lstStyle/>
-          <a:p>
-            <a:pPr algn="ctr"/>
-            <a:r>
-              <a:rPr lang="en-US" sz="5400" dirty="0">
-                <a:solidFill>
-                  <a:srgbClr val="C00000"/>
-                </a:solidFill>
-                <a:latin typeface="Franklin Gothic Heavy" panose="020B0903020102020204" pitchFamily="34" charset="0"/>
-              </a:rPr>
-              <a:t>SORT OF</a:t>
-            </a:r>
-          </a:p>
-        </p:txBody>
-      </p:sp>
     </p:spTree>
     <p:extLst>
       <p:ext uri="{BB962C8B-B14F-4D97-AF65-F5344CB8AC3E}">
-        <p14:creationId xmlns:p14="http://schemas.microsoft.com/office/powerpoint/2010/main" val="1654936612"/>
+        <p14:creationId xmlns:p14="http://schemas.microsoft.com/office/powerpoint/2010/main" val="571864323"/>
       </p:ext>
     </p:extLst>
   </p:cSld>
@@ -8932,7 +10463,7 @@
   <p:cSld>
     <p:spTree>
       <p:nvGrpSpPr>
-        <p:cNvPr id="1" name="Shape 77"/>
+        <p:cNvPr id="1" name=""/>
         <p:cNvGrpSpPr/>
         <p:nvPr/>
       </p:nvGrpSpPr>
@@ -8946,14 +10477,14 @@
       </p:grpSpPr>
       <p:sp>
         <p:nvSpPr>
-          <p:cNvPr id="7" name="Google Shape;61;p14">
+          <p:cNvPr id="2" name="Title 1">
             <a:extLst>
               <a:ext uri="{FF2B5EF4-FFF2-40B4-BE49-F238E27FC236}">
-                <a16:creationId xmlns:a16="http://schemas.microsoft.com/office/drawing/2014/main" id="{16075AB2-C384-4229-AE7A-E758D47F61D8}"/>
+                <a16:creationId xmlns:a16="http://schemas.microsoft.com/office/drawing/2014/main" id="{A6F9D989-8F9E-4D74-B61A-E4B0882AE6B4}"/>
               </a:ext>
             </a:extLst>
           </p:cNvPr>
-          <p:cNvSpPr txBox="1">
+          <p:cNvSpPr>
             <a:spLocks noGrp="1"/>
           </p:cNvSpPr>
           <p:nvPr>
@@ -8965,124 +10496,118 @@
             <a:off x="311700" y="445025"/>
             <a:ext cx="8520600" cy="572700"/>
           </a:xfrm>
-          <a:prstGeom prst="rect">
-            <a:avLst/>
-          </a:prstGeom>
-        </p:spPr>
-        <p:txBody>
-          <a:bodyPr spcFirstLastPara="1" wrap="square" lIns="91425" tIns="91425" rIns="91425" bIns="91425" anchor="t" anchorCtr="0">
-            <a:noAutofit/>
-          </a:bodyPr>
+        </p:spPr>
+        <p:txBody>
+          <a:bodyPr/>
           <a:lstStyle/>
           <a:p>
-            <a:pPr marL="0" lvl="0" indent="0" algn="ctr" rtl="0">
-              <a:spcBef>
-                <a:spcPts val="0"/>
-              </a:spcBef>
-              <a:spcAft>
-                <a:spcPts val="0"/>
-              </a:spcAft>
-              <a:buNone/>
-            </a:pPr>
-            <a:r>
-              <a:rPr lang="en-US" sz="3200" dirty="0"/>
-              <a:t>How results carry forward</a:t>
-            </a:r>
-            <a:endParaRPr sz="3200" dirty="0"/>
+            <a:pPr algn="ctr"/>
+            <a:r>
+              <a:rPr lang="en-US" dirty="0"/>
+              <a:t>Success!</a:t>
+            </a:r>
           </a:p>
         </p:txBody>
       </p:sp>
       <p:pic>
         <p:nvPicPr>
-          <p:cNvPr id="3" name="Picture 2">
+          <p:cNvPr id="3074" name="Picture 2" descr="Related image">
             <a:extLst>
               <a:ext uri="{FF2B5EF4-FFF2-40B4-BE49-F238E27FC236}">
-                <a16:creationId xmlns:a16="http://schemas.microsoft.com/office/drawing/2014/main" id="{D3973409-625A-40F7-952F-43E70770296A}"/>
+                <a16:creationId xmlns:a16="http://schemas.microsoft.com/office/drawing/2014/main" id="{E000E608-A473-41A9-A586-FA08C1C3AAD5}"/>
               </a:ext>
             </a:extLst>
           </p:cNvPr>
           <p:cNvPicPr>
-            <a:picLocks noChangeAspect="1"/>
+            <a:picLocks noChangeAspect="1" noChangeArrowheads="1"/>
           </p:cNvPicPr>
           <p:nvPr/>
         </p:nvPicPr>
         <p:blipFill>
-          <a:blip r:embed="rId3">
-            <a:clrChange>
-              <a:clrFrom>
-                <a:srgbClr val="FFFFFF"/>
-              </a:clrFrom>
-              <a:clrTo>
-                <a:srgbClr val="FFFFFF">
-                  <a:alpha val="0"/>
-                </a:srgbClr>
-              </a:clrTo>
-            </a:clrChange>
+          <a:blip r:embed="rId2">
+            <a:extLst>
+              <a:ext uri="{28A0092B-C50C-407E-A947-70E740481C1C}">
+                <a14:useLocalDpi xmlns:a14="http://schemas.microsoft.com/office/drawing/2010/main" val="0"/>
+              </a:ext>
+            </a:extLst>
           </a:blip>
+          <a:srcRect/>
           <a:stretch>
             <a:fillRect/>
           </a:stretch>
         </p:blipFill>
-        <p:spPr>
-          <a:xfrm>
-            <a:off x="2348089" y="1416511"/>
-            <a:ext cx="4967736" cy="3311824"/>
+        <p:spPr bwMode="auto">
+          <a:xfrm>
+            <a:off x="1524680" y="1392342"/>
+            <a:ext cx="6094639" cy="3306133"/>
           </a:xfrm>
           <a:prstGeom prst="rect">
             <a:avLst/>
           </a:prstGeom>
+          <a:noFill/>
+          <a:extLst>
+            <a:ext uri="{909E8E84-426E-40DD-AFC4-6F175D3DCCD1}">
+              <a14:hiddenFill xmlns:a14="http://schemas.microsoft.com/office/drawing/2010/main">
+                <a:solidFill>
+                  <a:srgbClr val="FFFFFF"/>
+                </a:solidFill>
+              </a14:hiddenFill>
+            </a:ext>
+          </a:extLst>
         </p:spPr>
       </p:pic>
       <p:sp>
         <p:nvSpPr>
-          <p:cNvPr id="5" name="Google Shape;84;p18">
+          <p:cNvPr id="3" name="TextBox 2">
             <a:extLst>
               <a:ext uri="{FF2B5EF4-FFF2-40B4-BE49-F238E27FC236}">
-                <a16:creationId xmlns:a16="http://schemas.microsoft.com/office/drawing/2014/main" id="{3019D327-FED4-407C-9D19-B71A2DF0108C}"/>
+                <a16:creationId xmlns:a16="http://schemas.microsoft.com/office/drawing/2014/main" id="{0FB5D5E8-328B-4D7F-8A26-4AA95C3B969C}"/>
               </a:ext>
             </a:extLst>
           </p:cNvPr>
-          <p:cNvSpPr txBox="1">
-            <a:spLocks noGrp="1"/>
-          </p:cNvSpPr>
-          <p:nvPr>
-            <p:ph type="body" idx="1"/>
-          </p:nvPr>
-        </p:nvSpPr>
-        <p:spPr>
-          <a:xfrm>
-            <a:off x="632177" y="1286933"/>
-            <a:ext cx="7840133" cy="457200"/>
+          <p:cNvSpPr txBox="1"/>
+          <p:nvPr/>
+        </p:nvSpPr>
+        <p:spPr>
+          <a:xfrm rot="20512277">
+            <a:off x="3271318" y="2542270"/>
+            <a:ext cx="2970498" cy="923330"/>
           </a:xfrm>
           <a:prstGeom prst="rect">
             <a:avLst/>
           </a:prstGeom>
-        </p:spPr>
-        <p:txBody>
-          <a:bodyPr spcFirstLastPara="1" wrap="square" lIns="91425" tIns="91425" rIns="91425" bIns="91425" anchor="t" anchorCtr="0">
-            <a:noAutofit/>
+          <a:noFill/>
+          <a:ln w="57150">
+            <a:solidFill>
+              <a:srgbClr val="C00000"/>
+            </a:solidFill>
+          </a:ln>
+        </p:spPr>
+        <p:txBody>
+          <a:bodyPr wrap="square" rtlCol="0">
+            <a:spAutoFit/>
           </a:bodyPr>
           <a:lstStyle/>
           <a:p>
-            <a:pPr marL="0" lvl="0" indent="0" algn="ctr">
-              <a:spcAft>
-                <a:spcPts val="1600"/>
-              </a:spcAft>
-              <a:buNone/>
-            </a:pPr>
-            <a:r>
-              <a:rPr lang="en-US" sz="1600" dirty="0">
+            <a:pPr algn="ctr"/>
+            <a:r>
+              <a:rPr lang="en-US" sz="5400" dirty="0">
                 <a:solidFill>
-                  <a:srgbClr val="002060"/>
+                  <a:srgbClr val="C00000"/>
                 </a:solidFill>
-                <a:latin typeface="+mj-lt"/>
+                <a:latin typeface="Franklin Gothic Heavy" panose="020B0903020102020204" pitchFamily="34" charset="0"/>
               </a:rPr>
-              <a:t>“It’s tough to make predictions, especially about the future.”	-Yogi Berra</a:t>
+              <a:t>SORT OF</a:t>
             </a:r>
           </a:p>
         </p:txBody>
       </p:sp>
     </p:spTree>
+    <p:extLst>
+      <p:ext uri="{BB962C8B-B14F-4D97-AF65-F5344CB8AC3E}">
+        <p14:creationId xmlns:p14="http://schemas.microsoft.com/office/powerpoint/2010/main" val="1654936612"/>
+      </p:ext>
+    </p:extLst>
   </p:cSld>
   <p:clrMapOvr>
     <a:masterClrMapping/>
